--- a/Documentation/DevShop.pptx
+++ b/Documentation/DevShop.pptx
@@ -12,7 +12,7 @@
     <p:sldId id="257" r:id="rId3"/>
     <p:sldId id="258" r:id="rId4"/>
     <p:sldId id="259" r:id="rId5"/>
-    <p:sldId id="260" r:id="rId6"/>
+    <p:sldId id="264" r:id="rId6"/>
     <p:sldId id="261" r:id="rId7"/>
     <p:sldId id="262" r:id="rId8"/>
     <p:sldId id="263" r:id="rId9"/>
@@ -125,13 +125,573 @@
 <file path=ppt/revisionInfo.xml><?xml version="1.0" encoding="utf-8"?>
 <p1510:revInfo xmlns:a="http://schemas.openxmlformats.org/drawingml/2006/main" xmlns:r="http://schemas.openxmlformats.org/officeDocument/2006/relationships" xmlns:p1510="http://schemas.microsoft.com/office/powerpoint/2015/10/main">
   <p1510:revLst>
-    <p1510:client id="{1AE85724-5C66-478E-80F2-71C7BD3086F5}" v="3" dt="2023-01-20T20:10:08.635"/>
+    <p1510:client id="{EB805FA4-DD5D-4FF8-8049-5998BB720150}" v="26" dt="2023-02-07T21:03:41.182"/>
   </p1510:revLst>
 </p1510:revInfo>
 </file>
 
 <file path=ppt/changesInfos/changesInfo1.xml><?xml version="1.0" encoding="utf-8"?>
 <pc:chgInfo xmlns:a="http://schemas.openxmlformats.org/drawingml/2006/main" xmlns:r="http://schemas.openxmlformats.org/officeDocument/2006/relationships" xmlns:ac="http://schemas.microsoft.com/office/drawing/2013/main/command" xmlns:pc="http://schemas.microsoft.com/office/powerpoint/2013/main/command">
+  <pc:docChgLst>
+    <pc:chgData name="Benjamin Knoll" userId="7bbef61a7cbd28fa" providerId="LiveId" clId="{EB805FA4-DD5D-4FF8-8049-5998BB720150}"/>
+    <pc:docChg chg="undo custSel addSld delSld modSld">
+      <pc:chgData name="Benjamin Knoll" userId="7bbef61a7cbd28fa" providerId="LiveId" clId="{EB805FA4-DD5D-4FF8-8049-5998BB720150}" dt="2023-02-07T21:04:20.941" v="327" actId="1076"/>
+      <pc:docMkLst>
+        <pc:docMk/>
+      </pc:docMkLst>
+      <pc:sldChg chg="modSp mod">
+        <pc:chgData name="Benjamin Knoll" userId="7bbef61a7cbd28fa" providerId="LiveId" clId="{EB805FA4-DD5D-4FF8-8049-5998BB720150}" dt="2023-01-26T15:12:14.753" v="32" actId="207"/>
+        <pc:sldMkLst>
+          <pc:docMk/>
+          <pc:sldMk cId="3238678834" sldId="256"/>
+        </pc:sldMkLst>
+        <pc:spChg chg="mod">
+          <ac:chgData name="Benjamin Knoll" userId="7bbef61a7cbd28fa" providerId="LiveId" clId="{EB805FA4-DD5D-4FF8-8049-5998BB720150}" dt="2023-01-26T15:07:32.095" v="2" actId="207"/>
+          <ac:spMkLst>
+            <pc:docMk/>
+            <pc:sldMk cId="3238678834" sldId="256"/>
+            <ac:spMk id="2" creationId="{860BED5E-C6C8-0B19-75AB-0BBBA5827C4C}"/>
+          </ac:spMkLst>
+        </pc:spChg>
+        <pc:spChg chg="mod">
+          <ac:chgData name="Benjamin Knoll" userId="7bbef61a7cbd28fa" providerId="LiveId" clId="{EB805FA4-DD5D-4FF8-8049-5998BB720150}" dt="2023-01-26T15:07:45.250" v="3" actId="207"/>
+          <ac:spMkLst>
+            <pc:docMk/>
+            <pc:sldMk cId="3238678834" sldId="256"/>
+            <ac:spMk id="3" creationId="{9673B555-B885-71DD-8115-FD73779EE013}"/>
+          </ac:spMkLst>
+        </pc:spChg>
+        <pc:spChg chg="mod">
+          <ac:chgData name="Benjamin Knoll" userId="7bbef61a7cbd28fa" providerId="LiveId" clId="{EB805FA4-DD5D-4FF8-8049-5998BB720150}" dt="2023-01-26T15:12:05.349" v="31" actId="207"/>
+          <ac:spMkLst>
+            <pc:docMk/>
+            <pc:sldMk cId="3238678834" sldId="256"/>
+            <ac:spMk id="4" creationId="{BD0A9E1F-99A7-CEFA-A397-7C1488756885}"/>
+          </ac:spMkLst>
+        </pc:spChg>
+        <pc:spChg chg="mod">
+          <ac:chgData name="Benjamin Knoll" userId="7bbef61a7cbd28fa" providerId="LiveId" clId="{EB805FA4-DD5D-4FF8-8049-5998BB720150}" dt="2023-01-26T15:12:14.753" v="32" actId="207"/>
+          <ac:spMkLst>
+            <pc:docMk/>
+            <pc:sldMk cId="3238678834" sldId="256"/>
+            <ac:spMk id="10" creationId="{49B17C79-4AC4-2BF4-6EFB-8CB62DEECA41}"/>
+          </ac:spMkLst>
+        </pc:spChg>
+      </pc:sldChg>
+      <pc:sldChg chg="addSp delSp modSp mod">
+        <pc:chgData name="Benjamin Knoll" userId="7bbef61a7cbd28fa" providerId="LiveId" clId="{EB805FA4-DD5D-4FF8-8049-5998BB720150}" dt="2023-02-07T20:58:49.325" v="311" actId="1076"/>
+        <pc:sldMkLst>
+          <pc:docMk/>
+          <pc:sldMk cId="4094833793" sldId="257"/>
+        </pc:sldMkLst>
+        <pc:spChg chg="mod">
+          <ac:chgData name="Benjamin Knoll" userId="7bbef61a7cbd28fa" providerId="LiveId" clId="{EB805FA4-DD5D-4FF8-8049-5998BB720150}" dt="2023-01-26T15:07:04.093" v="0" actId="207"/>
+          <ac:spMkLst>
+            <pc:docMk/>
+            <pc:sldMk cId="4094833793" sldId="257"/>
+            <ac:spMk id="2" creationId="{C0CEE83D-E4C7-2430-8686-C86EC741685C}"/>
+          </ac:spMkLst>
+        </pc:spChg>
+        <pc:spChg chg="mod">
+          <ac:chgData name="Benjamin Knoll" userId="7bbef61a7cbd28fa" providerId="LiveId" clId="{EB805FA4-DD5D-4FF8-8049-5998BB720150}" dt="2023-01-26T15:07:20.857" v="1" actId="207"/>
+          <ac:spMkLst>
+            <pc:docMk/>
+            <pc:sldMk cId="4094833793" sldId="257"/>
+            <ac:spMk id="3" creationId="{CB6CC54E-F1C2-C0DC-F0FA-C42DA987288D}"/>
+          </ac:spMkLst>
+        </pc:spChg>
+        <pc:spChg chg="mod">
+          <ac:chgData name="Benjamin Knoll" userId="7bbef61a7cbd28fa" providerId="LiveId" clId="{EB805FA4-DD5D-4FF8-8049-5998BB720150}" dt="2023-01-26T15:11:56.517" v="30" actId="207"/>
+          <ac:spMkLst>
+            <pc:docMk/>
+            <pc:sldMk cId="4094833793" sldId="257"/>
+            <ac:spMk id="4" creationId="{3A83789D-3644-E6F0-3481-C81142F3DC27}"/>
+          </ac:spMkLst>
+        </pc:spChg>
+        <pc:spChg chg="mod">
+          <ac:chgData name="Benjamin Knoll" userId="7bbef61a7cbd28fa" providerId="LiveId" clId="{EB805FA4-DD5D-4FF8-8049-5998BB720150}" dt="2023-01-26T15:11:50.109" v="29" actId="207"/>
+          <ac:spMkLst>
+            <pc:docMk/>
+            <pc:sldMk cId="4094833793" sldId="257"/>
+            <ac:spMk id="5" creationId="{0A818AB5-059B-9576-BB0B-846612FC292B}"/>
+          </ac:spMkLst>
+        </pc:spChg>
+        <pc:picChg chg="add del mod">
+          <ac:chgData name="Benjamin Knoll" userId="7bbef61a7cbd28fa" providerId="LiveId" clId="{EB805FA4-DD5D-4FF8-8049-5998BB720150}" dt="2023-02-07T20:56:59.119" v="303" actId="478"/>
+          <ac:picMkLst>
+            <pc:docMk/>
+            <pc:sldMk cId="4094833793" sldId="257"/>
+            <ac:picMk id="7" creationId="{8574F095-AF49-58FF-AC53-3C22ADAF7664}"/>
+          </ac:picMkLst>
+        </pc:picChg>
+        <pc:picChg chg="add mod">
+          <ac:chgData name="Benjamin Knoll" userId="7bbef61a7cbd28fa" providerId="LiveId" clId="{EB805FA4-DD5D-4FF8-8049-5998BB720150}" dt="2023-02-07T20:58:49.325" v="311" actId="1076"/>
+          <ac:picMkLst>
+            <pc:docMk/>
+            <pc:sldMk cId="4094833793" sldId="257"/>
+            <ac:picMk id="9" creationId="{CB8E53C0-60C8-67A9-6548-574847C50E5A}"/>
+          </ac:picMkLst>
+        </pc:picChg>
+      </pc:sldChg>
+      <pc:sldChg chg="addSp delSp modSp mod">
+        <pc:chgData name="Benjamin Knoll" userId="7bbef61a7cbd28fa" providerId="LiveId" clId="{EB805FA4-DD5D-4FF8-8049-5998BB720150}" dt="2023-02-07T21:04:20.941" v="327" actId="1076"/>
+        <pc:sldMkLst>
+          <pc:docMk/>
+          <pc:sldMk cId="2669750697" sldId="258"/>
+        </pc:sldMkLst>
+        <pc:spChg chg="mod">
+          <ac:chgData name="Benjamin Knoll" userId="7bbef61a7cbd28fa" providerId="LiveId" clId="{EB805FA4-DD5D-4FF8-8049-5998BB720150}" dt="2023-01-26T15:08:21.502" v="5" actId="207"/>
+          <ac:spMkLst>
+            <pc:docMk/>
+            <pc:sldMk cId="2669750697" sldId="258"/>
+            <ac:spMk id="2" creationId="{3A0C7FBD-3549-C5A5-211F-26D1CEAAB831}"/>
+          </ac:spMkLst>
+        </pc:spChg>
+        <pc:spChg chg="mod">
+          <ac:chgData name="Benjamin Knoll" userId="7bbef61a7cbd28fa" providerId="LiveId" clId="{EB805FA4-DD5D-4FF8-8049-5998BB720150}" dt="2023-01-26T15:09:04.144" v="11" actId="207"/>
+          <ac:spMkLst>
+            <pc:docMk/>
+            <pc:sldMk cId="2669750697" sldId="258"/>
+            <ac:spMk id="3" creationId="{006DB5A0-D8B0-F4FB-BCBA-95D96BF04661}"/>
+          </ac:spMkLst>
+        </pc:spChg>
+        <pc:spChg chg="mod">
+          <ac:chgData name="Benjamin Knoll" userId="7bbef61a7cbd28fa" providerId="LiveId" clId="{EB805FA4-DD5D-4FF8-8049-5998BB720150}" dt="2023-01-26T15:11:42.579" v="28" actId="207"/>
+          <ac:spMkLst>
+            <pc:docMk/>
+            <pc:sldMk cId="2669750697" sldId="258"/>
+            <ac:spMk id="4" creationId="{FF3B4179-C15A-EAF3-7822-931B70162990}"/>
+          </ac:spMkLst>
+        </pc:spChg>
+        <pc:spChg chg="mod">
+          <ac:chgData name="Benjamin Knoll" userId="7bbef61a7cbd28fa" providerId="LiveId" clId="{EB805FA4-DD5D-4FF8-8049-5998BB720150}" dt="2023-01-26T15:11:39.505" v="27" actId="207"/>
+          <ac:spMkLst>
+            <pc:docMk/>
+            <pc:sldMk cId="2669750697" sldId="258"/>
+            <ac:spMk id="5" creationId="{73E5B96A-3847-0482-2807-B63952FB01A4}"/>
+          </ac:spMkLst>
+        </pc:spChg>
+        <pc:picChg chg="add del mod">
+          <ac:chgData name="Benjamin Knoll" userId="7bbef61a7cbd28fa" providerId="LiveId" clId="{EB805FA4-DD5D-4FF8-8049-5998BB720150}" dt="2023-02-07T19:16:45.376" v="259" actId="478"/>
+          <ac:picMkLst>
+            <pc:docMk/>
+            <pc:sldMk cId="2669750697" sldId="258"/>
+            <ac:picMk id="7" creationId="{C6214033-07F0-0D54-571E-35C084BF7DF0}"/>
+          </ac:picMkLst>
+        </pc:picChg>
+        <pc:picChg chg="add del mod">
+          <ac:chgData name="Benjamin Knoll" userId="7bbef61a7cbd28fa" providerId="LiveId" clId="{EB805FA4-DD5D-4FF8-8049-5998BB720150}" dt="2023-02-07T21:02:24.057" v="318" actId="478"/>
+          <ac:picMkLst>
+            <pc:docMk/>
+            <pc:sldMk cId="2669750697" sldId="258"/>
+            <ac:picMk id="9" creationId="{5AD5F811-ECA4-DB3D-3B7D-2ACF40682DDD}"/>
+          </ac:picMkLst>
+        </pc:picChg>
+        <pc:picChg chg="add del mod">
+          <ac:chgData name="Benjamin Knoll" userId="7bbef61a7cbd28fa" providerId="LiveId" clId="{EB805FA4-DD5D-4FF8-8049-5998BB720150}" dt="2023-02-07T21:04:06.685" v="325" actId="478"/>
+          <ac:picMkLst>
+            <pc:docMk/>
+            <pc:sldMk cId="2669750697" sldId="258"/>
+            <ac:picMk id="11" creationId="{1BB9C44C-62E9-E173-B5C4-CA1ADE6ACDCC}"/>
+          </ac:picMkLst>
+        </pc:picChg>
+        <pc:picChg chg="add mod">
+          <ac:chgData name="Benjamin Knoll" userId="7bbef61a7cbd28fa" providerId="LiveId" clId="{EB805FA4-DD5D-4FF8-8049-5998BB720150}" dt="2023-02-07T21:04:20.941" v="327" actId="1076"/>
+          <ac:picMkLst>
+            <pc:docMk/>
+            <pc:sldMk cId="2669750697" sldId="258"/>
+            <ac:picMk id="13" creationId="{3A29F658-67FB-E1DA-CD74-7CA8A282709B}"/>
+          </ac:picMkLst>
+        </pc:picChg>
+      </pc:sldChg>
+      <pc:sldChg chg="addSp delSp modSp mod">
+        <pc:chgData name="Benjamin Knoll" userId="7bbef61a7cbd28fa" providerId="LiveId" clId="{EB805FA4-DD5D-4FF8-8049-5998BB720150}" dt="2023-02-01T16:32:22.373" v="255" actId="1076"/>
+        <pc:sldMkLst>
+          <pc:docMk/>
+          <pc:sldMk cId="261914906" sldId="259"/>
+        </pc:sldMkLst>
+        <pc:spChg chg="mod">
+          <ac:chgData name="Benjamin Knoll" userId="7bbef61a7cbd28fa" providerId="LiveId" clId="{EB805FA4-DD5D-4FF8-8049-5998BB720150}" dt="2023-01-26T15:08:28.029" v="6" actId="207"/>
+          <ac:spMkLst>
+            <pc:docMk/>
+            <pc:sldMk cId="261914906" sldId="259"/>
+            <ac:spMk id="2" creationId="{A48ABBFB-02C5-CC84-26BF-7C8C7FE66F55}"/>
+          </ac:spMkLst>
+        </pc:spChg>
+        <pc:spChg chg="mod">
+          <ac:chgData name="Benjamin Knoll" userId="7bbef61a7cbd28fa" providerId="LiveId" clId="{EB805FA4-DD5D-4FF8-8049-5998BB720150}" dt="2023-01-26T15:09:08.463" v="12" actId="207"/>
+          <ac:spMkLst>
+            <pc:docMk/>
+            <pc:sldMk cId="261914906" sldId="259"/>
+            <ac:spMk id="3" creationId="{AF7C3F49-8F5B-C95A-4054-08F3DAE03F74}"/>
+          </ac:spMkLst>
+        </pc:spChg>
+        <pc:spChg chg="mod">
+          <ac:chgData name="Benjamin Knoll" userId="7bbef61a7cbd28fa" providerId="LiveId" clId="{EB805FA4-DD5D-4FF8-8049-5998BB720150}" dt="2023-01-26T15:11:29.486" v="26" actId="207"/>
+          <ac:spMkLst>
+            <pc:docMk/>
+            <pc:sldMk cId="261914906" sldId="259"/>
+            <ac:spMk id="4" creationId="{1FF9E41C-4005-63DC-2954-EFB9F1485A64}"/>
+          </ac:spMkLst>
+        </pc:spChg>
+        <pc:spChg chg="mod">
+          <ac:chgData name="Benjamin Knoll" userId="7bbef61a7cbd28fa" providerId="LiveId" clId="{EB805FA4-DD5D-4FF8-8049-5998BB720150}" dt="2023-01-26T15:11:26.369" v="25" actId="207"/>
+          <ac:spMkLst>
+            <pc:docMk/>
+            <pc:sldMk cId="261914906" sldId="259"/>
+            <ac:spMk id="5" creationId="{FFB75A2B-5F77-0D42-E230-6811D5F00C4A}"/>
+          </ac:spMkLst>
+        </pc:spChg>
+        <pc:picChg chg="add del mod">
+          <ac:chgData name="Benjamin Knoll" userId="7bbef61a7cbd28fa" providerId="LiveId" clId="{EB805FA4-DD5D-4FF8-8049-5998BB720150}" dt="2023-02-01T16:31:36.973" v="247" actId="478"/>
+          <ac:picMkLst>
+            <pc:docMk/>
+            <pc:sldMk cId="261914906" sldId="259"/>
+            <ac:picMk id="7" creationId="{EE80BAA4-F997-EF70-F6CB-03286E657181}"/>
+          </ac:picMkLst>
+        </pc:picChg>
+        <pc:picChg chg="add mod">
+          <ac:chgData name="Benjamin Knoll" userId="7bbef61a7cbd28fa" providerId="LiveId" clId="{EB805FA4-DD5D-4FF8-8049-5998BB720150}" dt="2023-02-01T16:32:22.373" v="255" actId="1076"/>
+          <ac:picMkLst>
+            <pc:docMk/>
+            <pc:sldMk cId="261914906" sldId="259"/>
+            <ac:picMk id="9" creationId="{59AF9509-A031-E06A-9A07-60F7EC549F4C}"/>
+          </ac:picMkLst>
+        </pc:picChg>
+      </pc:sldChg>
+      <pc:sldChg chg="modSp del mod">
+        <pc:chgData name="Benjamin Knoll" userId="7bbef61a7cbd28fa" providerId="LiveId" clId="{EB805FA4-DD5D-4FF8-8049-5998BB720150}" dt="2023-02-01T15:56:25.309" v="239" actId="47"/>
+        <pc:sldMkLst>
+          <pc:docMk/>
+          <pc:sldMk cId="2965964314" sldId="260"/>
+        </pc:sldMkLst>
+        <pc:spChg chg="mod">
+          <ac:chgData name="Benjamin Knoll" userId="7bbef61a7cbd28fa" providerId="LiveId" clId="{EB805FA4-DD5D-4FF8-8049-5998BB720150}" dt="2023-02-01T15:38:42.428" v="57" actId="20577"/>
+          <ac:spMkLst>
+            <pc:docMk/>
+            <pc:sldMk cId="2965964314" sldId="260"/>
+            <ac:spMk id="2" creationId="{36B19188-B06C-C093-38A0-6ABEFD3EECBC}"/>
+          </ac:spMkLst>
+        </pc:spChg>
+        <pc:spChg chg="mod">
+          <ac:chgData name="Benjamin Knoll" userId="7bbef61a7cbd28fa" providerId="LiveId" clId="{EB805FA4-DD5D-4FF8-8049-5998BB720150}" dt="2023-01-26T15:09:15.260" v="13" actId="207"/>
+          <ac:spMkLst>
+            <pc:docMk/>
+            <pc:sldMk cId="2965964314" sldId="260"/>
+            <ac:spMk id="3" creationId="{535FA76A-29ED-9930-BEC7-B6D94164B8F6}"/>
+          </ac:spMkLst>
+        </pc:spChg>
+        <pc:spChg chg="mod">
+          <ac:chgData name="Benjamin Knoll" userId="7bbef61a7cbd28fa" providerId="LiveId" clId="{EB805FA4-DD5D-4FF8-8049-5998BB720150}" dt="2023-01-26T15:11:20.927" v="23" actId="207"/>
+          <ac:spMkLst>
+            <pc:docMk/>
+            <pc:sldMk cId="2965964314" sldId="260"/>
+            <ac:spMk id="4" creationId="{4B2BD91A-30E1-71D9-27D6-2EBC7F57E857}"/>
+          </ac:spMkLst>
+        </pc:spChg>
+        <pc:spChg chg="mod">
+          <ac:chgData name="Benjamin Knoll" userId="7bbef61a7cbd28fa" providerId="LiveId" clId="{EB805FA4-DD5D-4FF8-8049-5998BB720150}" dt="2023-01-26T15:11:17.328" v="22" actId="207"/>
+          <ac:spMkLst>
+            <pc:docMk/>
+            <pc:sldMk cId="2965964314" sldId="260"/>
+            <ac:spMk id="5" creationId="{F1B47F8A-DFB7-D01D-5BCC-341ABBD2F3E6}"/>
+          </ac:spMkLst>
+        </pc:spChg>
+      </pc:sldChg>
+      <pc:sldChg chg="addSp delSp modSp mod">
+        <pc:chgData name="Benjamin Knoll" userId="7bbef61a7cbd28fa" providerId="LiveId" clId="{EB805FA4-DD5D-4FF8-8049-5998BB720150}" dt="2023-02-07T19:52:12.662" v="290" actId="1076"/>
+        <pc:sldMkLst>
+          <pc:docMk/>
+          <pc:sldMk cId="1645822208" sldId="261"/>
+        </pc:sldMkLst>
+        <pc:spChg chg="mod">
+          <ac:chgData name="Benjamin Knoll" userId="7bbef61a7cbd28fa" providerId="LiveId" clId="{EB805FA4-DD5D-4FF8-8049-5998BB720150}" dt="2023-02-07T19:39:00.944" v="265" actId="207"/>
+          <ac:spMkLst>
+            <pc:docMk/>
+            <pc:sldMk cId="1645822208" sldId="261"/>
+            <ac:spMk id="2" creationId="{1578C07D-5316-933B-6DF3-A9F19B87EB74}"/>
+          </ac:spMkLst>
+        </pc:spChg>
+        <pc:spChg chg="mod">
+          <ac:chgData name="Benjamin Knoll" userId="7bbef61a7cbd28fa" providerId="LiveId" clId="{EB805FA4-DD5D-4FF8-8049-5998BB720150}" dt="2023-01-26T15:09:19.955" v="14" actId="207"/>
+          <ac:spMkLst>
+            <pc:docMk/>
+            <pc:sldMk cId="1645822208" sldId="261"/>
+            <ac:spMk id="3" creationId="{4441A846-AF24-B626-7331-61966EBF448A}"/>
+          </ac:spMkLst>
+        </pc:spChg>
+        <pc:spChg chg="mod">
+          <ac:chgData name="Benjamin Knoll" userId="7bbef61a7cbd28fa" providerId="LiveId" clId="{EB805FA4-DD5D-4FF8-8049-5998BB720150}" dt="2023-01-26T15:10:48.499" v="21" actId="207"/>
+          <ac:spMkLst>
+            <pc:docMk/>
+            <pc:sldMk cId="1645822208" sldId="261"/>
+            <ac:spMk id="4" creationId="{1E812341-A6BA-B842-4FF8-E9C19A46E555}"/>
+          </ac:spMkLst>
+        </pc:spChg>
+        <pc:spChg chg="mod">
+          <ac:chgData name="Benjamin Knoll" userId="7bbef61a7cbd28fa" providerId="LiveId" clId="{EB805FA4-DD5D-4FF8-8049-5998BB720150}" dt="2023-01-26T15:10:44.135" v="20" actId="207"/>
+          <ac:spMkLst>
+            <pc:docMk/>
+            <pc:sldMk cId="1645822208" sldId="261"/>
+            <ac:spMk id="5" creationId="{1310DBF7-FB32-10DB-8F5E-B5BB457F1560}"/>
+          </ac:spMkLst>
+        </pc:spChg>
+        <pc:picChg chg="add del mod">
+          <ac:chgData name="Benjamin Knoll" userId="7bbef61a7cbd28fa" providerId="LiveId" clId="{EB805FA4-DD5D-4FF8-8049-5998BB720150}" dt="2023-02-07T19:51:35.763" v="285" actId="478"/>
+          <ac:picMkLst>
+            <pc:docMk/>
+            <pc:sldMk cId="1645822208" sldId="261"/>
+            <ac:picMk id="7" creationId="{C97C8DDB-5D18-EC00-9E91-B5BE565A50D9}"/>
+          </ac:picMkLst>
+        </pc:picChg>
+        <pc:picChg chg="add del mod">
+          <ac:chgData name="Benjamin Knoll" userId="7bbef61a7cbd28fa" providerId="LiveId" clId="{EB805FA4-DD5D-4FF8-8049-5998BB720150}" dt="2023-02-07T19:49:33.940" v="280" actId="478"/>
+          <ac:picMkLst>
+            <pc:docMk/>
+            <pc:sldMk cId="1645822208" sldId="261"/>
+            <ac:picMk id="9" creationId="{48C1E198-EB8C-1279-D7BC-90AC2178BED0}"/>
+          </ac:picMkLst>
+        </pc:picChg>
+        <pc:picChg chg="add del mod">
+          <ac:chgData name="Benjamin Knoll" userId="7bbef61a7cbd28fa" providerId="LiveId" clId="{EB805FA4-DD5D-4FF8-8049-5998BB720150}" dt="2023-02-07T19:51:32.824" v="284" actId="478"/>
+          <ac:picMkLst>
+            <pc:docMk/>
+            <pc:sldMk cId="1645822208" sldId="261"/>
+            <ac:picMk id="11" creationId="{46FD567D-D18E-075B-8A03-325138B65B31}"/>
+          </ac:picMkLst>
+        </pc:picChg>
+        <pc:picChg chg="add mod">
+          <ac:chgData name="Benjamin Knoll" userId="7bbef61a7cbd28fa" providerId="LiveId" clId="{EB805FA4-DD5D-4FF8-8049-5998BB720150}" dt="2023-02-07T19:52:12.662" v="290" actId="1076"/>
+          <ac:picMkLst>
+            <pc:docMk/>
+            <pc:sldMk cId="1645822208" sldId="261"/>
+            <ac:picMk id="13" creationId="{2EAE8ACB-5CA5-8E9F-2F9E-B86109F2743F}"/>
+          </ac:picMkLst>
+        </pc:picChg>
+      </pc:sldChg>
+      <pc:sldChg chg="addSp modSp mod">
+        <pc:chgData name="Benjamin Knoll" userId="7bbef61a7cbd28fa" providerId="LiveId" clId="{EB805FA4-DD5D-4FF8-8049-5998BB720150}" dt="2023-02-07T20:16:31.379" v="296" actId="1076"/>
+        <pc:sldMkLst>
+          <pc:docMk/>
+          <pc:sldMk cId="1832817922" sldId="262"/>
+        </pc:sldMkLst>
+        <pc:spChg chg="mod">
+          <ac:chgData name="Benjamin Knoll" userId="7bbef61a7cbd28fa" providerId="LiveId" clId="{EB805FA4-DD5D-4FF8-8049-5998BB720150}" dt="2023-01-26T15:08:47.296" v="9" actId="207"/>
+          <ac:spMkLst>
+            <pc:docMk/>
+            <pc:sldMk cId="1832817922" sldId="262"/>
+            <ac:spMk id="2" creationId="{C388A875-B29D-4E77-A05F-A596ABB8B844}"/>
+          </ac:spMkLst>
+        </pc:spChg>
+        <pc:spChg chg="mod">
+          <ac:chgData name="Benjamin Knoll" userId="7bbef61a7cbd28fa" providerId="LiveId" clId="{EB805FA4-DD5D-4FF8-8049-5998BB720150}" dt="2023-01-26T15:09:24.487" v="15" actId="207"/>
+          <ac:spMkLst>
+            <pc:docMk/>
+            <pc:sldMk cId="1832817922" sldId="262"/>
+            <ac:spMk id="3" creationId="{F87DED73-027A-39D5-83FA-6040E1765789}"/>
+          </ac:spMkLst>
+        </pc:spChg>
+        <pc:spChg chg="mod">
+          <ac:chgData name="Benjamin Knoll" userId="7bbef61a7cbd28fa" providerId="LiveId" clId="{EB805FA4-DD5D-4FF8-8049-5998BB720150}" dt="2023-01-26T15:10:26.255" v="18" actId="207"/>
+          <ac:spMkLst>
+            <pc:docMk/>
+            <pc:sldMk cId="1832817922" sldId="262"/>
+            <ac:spMk id="4" creationId="{46566DF4-1CC1-2B51-44DD-4C0DB8027DD1}"/>
+          </ac:spMkLst>
+        </pc:spChg>
+        <pc:spChg chg="mod">
+          <ac:chgData name="Benjamin Knoll" userId="7bbef61a7cbd28fa" providerId="LiveId" clId="{EB805FA4-DD5D-4FF8-8049-5998BB720150}" dt="2023-01-26T15:10:20.698" v="17" actId="207"/>
+          <ac:spMkLst>
+            <pc:docMk/>
+            <pc:sldMk cId="1832817922" sldId="262"/>
+            <ac:spMk id="5" creationId="{7519ACCB-D988-F294-E83F-30833FF41EDD}"/>
+          </ac:spMkLst>
+        </pc:spChg>
+        <pc:picChg chg="add mod">
+          <ac:chgData name="Benjamin Knoll" userId="7bbef61a7cbd28fa" providerId="LiveId" clId="{EB805FA4-DD5D-4FF8-8049-5998BB720150}" dt="2023-02-07T20:16:31.379" v="296" actId="1076"/>
+          <ac:picMkLst>
+            <pc:docMk/>
+            <pc:sldMk cId="1832817922" sldId="262"/>
+            <ac:picMk id="7" creationId="{A609B19E-2090-074A-9911-8F513E361550}"/>
+          </ac:picMkLst>
+        </pc:picChg>
+      </pc:sldChg>
+      <pc:sldChg chg="modSp mod">
+        <pc:chgData name="Benjamin Knoll" userId="7bbef61a7cbd28fa" providerId="LiveId" clId="{EB805FA4-DD5D-4FF8-8049-5998BB720150}" dt="2023-01-26T15:10:34.974" v="19" actId="207"/>
+        <pc:sldMkLst>
+          <pc:docMk/>
+          <pc:sldMk cId="3225583561" sldId="263"/>
+        </pc:sldMkLst>
+        <pc:spChg chg="mod">
+          <ac:chgData name="Benjamin Knoll" userId="7bbef61a7cbd28fa" providerId="LiveId" clId="{EB805FA4-DD5D-4FF8-8049-5998BB720150}" dt="2023-01-26T15:08:53.019" v="10" actId="207"/>
+          <ac:spMkLst>
+            <pc:docMk/>
+            <pc:sldMk cId="3225583561" sldId="263"/>
+            <ac:spMk id="2" creationId="{2E553C9F-3F8E-3025-91F1-2AB192E2754D}"/>
+          </ac:spMkLst>
+        </pc:spChg>
+        <pc:spChg chg="mod">
+          <ac:chgData name="Benjamin Knoll" userId="7bbef61a7cbd28fa" providerId="LiveId" clId="{EB805FA4-DD5D-4FF8-8049-5998BB720150}" dt="2023-01-26T15:10:34.974" v="19" actId="207"/>
+          <ac:spMkLst>
+            <pc:docMk/>
+            <pc:sldMk cId="3225583561" sldId="263"/>
+            <ac:spMk id="4" creationId="{88805989-2AE5-D597-7051-FD8FB0651CA4}"/>
+          </ac:spMkLst>
+        </pc:spChg>
+        <pc:spChg chg="mod">
+          <ac:chgData name="Benjamin Knoll" userId="7bbef61a7cbd28fa" providerId="LiveId" clId="{EB805FA4-DD5D-4FF8-8049-5998BB720150}" dt="2023-01-26T15:10:14.257" v="16" actId="207"/>
+          <ac:spMkLst>
+            <pc:docMk/>
+            <pc:sldMk cId="3225583561" sldId="263"/>
+            <ac:spMk id="5" creationId="{A8621227-2145-E175-9A6C-1B39FDBCAF14}"/>
+          </ac:spMkLst>
+        </pc:spChg>
+      </pc:sldChg>
+      <pc:sldChg chg="addSp delSp modSp new mod">
+        <pc:chgData name="Benjamin Knoll" userId="7bbef61a7cbd28fa" providerId="LiveId" clId="{EB805FA4-DD5D-4FF8-8049-5998BB720150}" dt="2023-02-01T15:53:49.235" v="238" actId="1076"/>
+        <pc:sldMkLst>
+          <pc:docMk/>
+          <pc:sldMk cId="3287067111" sldId="264"/>
+        </pc:sldMkLst>
+        <pc:spChg chg="mod">
+          <ac:chgData name="Benjamin Knoll" userId="7bbef61a7cbd28fa" providerId="LiveId" clId="{EB805FA4-DD5D-4FF8-8049-5998BB720150}" dt="2023-02-01T15:38:36.067" v="48" actId="108"/>
+          <ac:spMkLst>
+            <pc:docMk/>
+            <pc:sldMk cId="3287067111" sldId="264"/>
+            <ac:spMk id="2" creationId="{FF6AEC10-EA85-33F4-9F1C-CF54043B1A7D}"/>
+          </ac:spMkLst>
+        </pc:spChg>
+        <pc:spChg chg="del">
+          <ac:chgData name="Benjamin Knoll" userId="7bbef61a7cbd28fa" providerId="LiveId" clId="{EB805FA4-DD5D-4FF8-8049-5998BB720150}" dt="2023-02-01T15:39:33.427" v="63"/>
+          <ac:spMkLst>
+            <pc:docMk/>
+            <pc:sldMk cId="3287067111" sldId="264"/>
+            <ac:spMk id="3" creationId="{D819023D-10DE-F412-EF22-9FDA2952D644}"/>
+          </ac:spMkLst>
+        </pc:spChg>
+        <pc:spChg chg="mod">
+          <ac:chgData name="Benjamin Knoll" userId="7bbef61a7cbd28fa" providerId="LiveId" clId="{EB805FA4-DD5D-4FF8-8049-5998BB720150}" dt="2023-02-01T15:38:53.033" v="58" actId="108"/>
+          <ac:spMkLst>
+            <pc:docMk/>
+            <pc:sldMk cId="3287067111" sldId="264"/>
+            <ac:spMk id="4" creationId="{72E6153D-1EE3-0A8F-0C01-465F68844534}"/>
+          </ac:spMkLst>
+        </pc:spChg>
+        <pc:spChg chg="mod">
+          <ac:chgData name="Benjamin Knoll" userId="7bbef61a7cbd28fa" providerId="LiveId" clId="{EB805FA4-DD5D-4FF8-8049-5998BB720150}" dt="2023-02-01T15:39:23.446" v="62" actId="121"/>
+          <ac:spMkLst>
+            <pc:docMk/>
+            <pc:sldMk cId="3287067111" sldId="264"/>
+            <ac:spMk id="5" creationId="{56A9D47C-FFF1-7A72-9DA5-BC960EDA85AA}"/>
+          </ac:spMkLst>
+        </pc:spChg>
+        <pc:spChg chg="add mod">
+          <ac:chgData name="Benjamin Knoll" userId="7bbef61a7cbd28fa" providerId="LiveId" clId="{EB805FA4-DD5D-4FF8-8049-5998BB720150}" dt="2023-02-01T15:53:49.235" v="238" actId="1076"/>
+          <ac:spMkLst>
+            <pc:docMk/>
+            <pc:sldMk cId="3287067111" sldId="264"/>
+            <ac:spMk id="18" creationId="{82D3A53C-4775-AF39-F30F-D62F3AFE09EE}"/>
+          </ac:spMkLst>
+        </pc:spChg>
+        <pc:spChg chg="add mod">
+          <ac:chgData name="Benjamin Knoll" userId="7bbef61a7cbd28fa" providerId="LiveId" clId="{EB805FA4-DD5D-4FF8-8049-5998BB720150}" dt="2023-02-01T15:53:49.235" v="238" actId="1076"/>
+          <ac:spMkLst>
+            <pc:docMk/>
+            <pc:sldMk cId="3287067111" sldId="264"/>
+            <ac:spMk id="19" creationId="{3D247F0C-14E0-B013-66AE-7DF09C7C2600}"/>
+          </ac:spMkLst>
+        </pc:spChg>
+        <pc:spChg chg="add del mod">
+          <ac:chgData name="Benjamin Knoll" userId="7bbef61a7cbd28fa" providerId="LiveId" clId="{EB805FA4-DD5D-4FF8-8049-5998BB720150}" dt="2023-02-01T15:51:26.525" v="162"/>
+          <ac:spMkLst>
+            <pc:docMk/>
+            <pc:sldMk cId="3287067111" sldId="264"/>
+            <ac:spMk id="20" creationId="{63F8DED6-2BB9-C329-42E1-9CA719636591}"/>
+          </ac:spMkLst>
+        </pc:spChg>
+        <pc:spChg chg="add mod">
+          <ac:chgData name="Benjamin Knoll" userId="7bbef61a7cbd28fa" providerId="LiveId" clId="{EB805FA4-DD5D-4FF8-8049-5998BB720150}" dt="2023-02-01T15:53:49.235" v="238" actId="1076"/>
+          <ac:spMkLst>
+            <pc:docMk/>
+            <pc:sldMk cId="3287067111" sldId="264"/>
+            <ac:spMk id="21" creationId="{6218444E-034A-07AC-C969-FA49878F22A8}"/>
+          </ac:spMkLst>
+        </pc:spChg>
+        <pc:spChg chg="add mod">
+          <ac:chgData name="Benjamin Knoll" userId="7bbef61a7cbd28fa" providerId="LiveId" clId="{EB805FA4-DD5D-4FF8-8049-5998BB720150}" dt="2023-02-01T15:53:49.235" v="238" actId="1076"/>
+          <ac:spMkLst>
+            <pc:docMk/>
+            <pc:sldMk cId="3287067111" sldId="264"/>
+            <ac:spMk id="22" creationId="{B7B54B52-0927-CC09-F4EF-7715F6BD3CC2}"/>
+          </ac:spMkLst>
+        </pc:spChg>
+        <pc:spChg chg="add mod">
+          <ac:chgData name="Benjamin Knoll" userId="7bbef61a7cbd28fa" providerId="LiveId" clId="{EB805FA4-DD5D-4FF8-8049-5998BB720150}" dt="2023-02-01T15:53:49.235" v="238" actId="1076"/>
+          <ac:spMkLst>
+            <pc:docMk/>
+            <pc:sldMk cId="3287067111" sldId="264"/>
+            <ac:spMk id="23" creationId="{E96950C6-C484-0090-D238-A46D60F1A130}"/>
+          </ac:spMkLst>
+        </pc:spChg>
+        <pc:spChg chg="add mod">
+          <ac:chgData name="Benjamin Knoll" userId="7bbef61a7cbd28fa" providerId="LiveId" clId="{EB805FA4-DD5D-4FF8-8049-5998BB720150}" dt="2023-02-01T15:53:49.235" v="238" actId="1076"/>
+          <ac:spMkLst>
+            <pc:docMk/>
+            <pc:sldMk cId="3287067111" sldId="264"/>
+            <ac:spMk id="24" creationId="{DA15A26C-0A9A-A89F-BE75-67569129847D}"/>
+          </ac:spMkLst>
+        </pc:spChg>
+        <pc:picChg chg="add mod">
+          <ac:chgData name="Benjamin Knoll" userId="7bbef61a7cbd28fa" providerId="LiveId" clId="{EB805FA4-DD5D-4FF8-8049-5998BB720150}" dt="2023-02-01T15:53:49.235" v="238" actId="1076"/>
+          <ac:picMkLst>
+            <pc:docMk/>
+            <pc:sldMk cId="3287067111" sldId="264"/>
+            <ac:picMk id="7" creationId="{0633B106-A913-51FE-7DCC-E7744123A097}"/>
+          </ac:picMkLst>
+        </pc:picChg>
+        <pc:picChg chg="add mod">
+          <ac:chgData name="Benjamin Knoll" userId="7bbef61a7cbd28fa" providerId="LiveId" clId="{EB805FA4-DD5D-4FF8-8049-5998BB720150}" dt="2023-02-01T15:53:49.235" v="238" actId="1076"/>
+          <ac:picMkLst>
+            <pc:docMk/>
+            <pc:sldMk cId="3287067111" sldId="264"/>
+            <ac:picMk id="9" creationId="{C982B970-C16B-2BED-F4A1-F31F03252031}"/>
+          </ac:picMkLst>
+        </pc:picChg>
+        <pc:picChg chg="add mod">
+          <ac:chgData name="Benjamin Knoll" userId="7bbef61a7cbd28fa" providerId="LiveId" clId="{EB805FA4-DD5D-4FF8-8049-5998BB720150}" dt="2023-02-01T15:53:49.235" v="238" actId="1076"/>
+          <ac:picMkLst>
+            <pc:docMk/>
+            <pc:sldMk cId="3287067111" sldId="264"/>
+            <ac:picMk id="11" creationId="{14DF417A-DEDC-7C7F-D5D2-2FAAB9FBA10A}"/>
+          </ac:picMkLst>
+        </pc:picChg>
+        <pc:picChg chg="add mod">
+          <ac:chgData name="Benjamin Knoll" userId="7bbef61a7cbd28fa" providerId="LiveId" clId="{EB805FA4-DD5D-4FF8-8049-5998BB720150}" dt="2023-02-01T15:53:49.235" v="238" actId="1076"/>
+          <ac:picMkLst>
+            <pc:docMk/>
+            <pc:sldMk cId="3287067111" sldId="264"/>
+            <ac:picMk id="13" creationId="{0FEB0F47-B300-0472-9A0B-7120138047EB}"/>
+          </ac:picMkLst>
+        </pc:picChg>
+        <pc:picChg chg="add mod">
+          <ac:chgData name="Benjamin Knoll" userId="7bbef61a7cbd28fa" providerId="LiveId" clId="{EB805FA4-DD5D-4FF8-8049-5998BB720150}" dt="2023-02-01T15:53:49.235" v="238" actId="1076"/>
+          <ac:picMkLst>
+            <pc:docMk/>
+            <pc:sldMk cId="3287067111" sldId="264"/>
+            <ac:picMk id="15" creationId="{0548D17C-917C-A0CC-DE76-460094E77C37}"/>
+          </ac:picMkLst>
+        </pc:picChg>
+        <pc:picChg chg="add mod">
+          <ac:chgData name="Benjamin Knoll" userId="7bbef61a7cbd28fa" providerId="LiveId" clId="{EB805FA4-DD5D-4FF8-8049-5998BB720150}" dt="2023-02-01T15:53:49.235" v="238" actId="1076"/>
+          <ac:picMkLst>
+            <pc:docMk/>
+            <pc:sldMk cId="3287067111" sldId="264"/>
+            <ac:picMk id="17" creationId="{57B1F853-A62C-D50B-3EAB-AE73BA35D8F8}"/>
+          </ac:picMkLst>
+        </pc:picChg>
+      </pc:sldChg>
+    </pc:docChg>
+  </pc:docChgLst>
   <pc:docChgLst>
     <pc:chgData name="Benjamin Knoll" userId="7bbef61a7cbd28fa" providerId="LiveId" clId="{1AE85724-5C66-478E-80F2-71C7BD3086F5}"/>
     <pc:docChg chg="undo custSel addSld modSld">
@@ -402,7 +962,7 @@
           <a:p>
             <a:fld id="{877878FA-BD36-48E8-8051-482D9A3AF9D8}" type="datetimeFigureOut">
               <a:rPr lang="de-AT" smtClean="0"/>
-              <a:t>20.01.2023</a:t>
+              <a:t>07.02.2023</a:t>
             </a:fld>
             <a:endParaRPr lang="de-AT"/>
           </a:p>
@@ -984,7 +1544,7 @@
             <a:pPr algn="r"/>
             <a:fld id="{7E8EC845-7E06-460F-A2E0-E00CB573387B}" type="datetime1">
               <a:rPr lang="en-US" smtClean="0"/>
-              <a:t>1/20/2023</a:t>
+              <a:t>2/7/2023</a:t>
             </a:fld>
             <a:endParaRPr lang="en-US"/>
           </a:p>
@@ -1204,7 +1764,7 @@
           <a:p>
             <a:fld id="{61C983AA-81AF-498C-B321-1EA3AF580BB1}" type="datetime1">
               <a:rPr lang="en-US" smtClean="0"/>
-              <a:t>1/20/2023</a:t>
+              <a:t>2/7/2023</a:t>
             </a:fld>
             <a:endParaRPr lang="en-US"/>
           </a:p>
@@ -1580,7 +2140,7 @@
           <a:p>
             <a:fld id="{1AD83F64-6423-4703-B199-F4263B02BF12}" type="datetime1">
               <a:rPr lang="en-US" smtClean="0"/>
-              <a:t>1/20/2023</a:t>
+              <a:t>2/7/2023</a:t>
             </a:fld>
             <a:endParaRPr lang="en-US"/>
           </a:p>
@@ -1946,7 +2506,7 @@
           <a:p>
             <a:fld id="{894044AC-A252-417E-9588-9A4E9EA69C10}" type="datetime1">
               <a:rPr lang="en-US" smtClean="0"/>
-              <a:t>1/20/2023</a:t>
+              <a:t>2/7/2023</a:t>
             </a:fld>
             <a:endParaRPr lang="en-US"/>
           </a:p>
@@ -2390,7 +2950,7 @@
           <a:p>
             <a:fld id="{9DBC0EA4-8165-4AFE-B92C-105C8DACEA8A}" type="datetime1">
               <a:rPr lang="en-US" smtClean="0"/>
-              <a:t>1/20/2023</a:t>
+              <a:t>2/7/2023</a:t>
             </a:fld>
             <a:endParaRPr lang="en-US"/>
           </a:p>
@@ -2834,7 +3394,7 @@
           <a:p>
             <a:fld id="{14DADE57-DEF6-45E5-88D5-615EA6A1C654}" type="datetime1">
               <a:rPr lang="en-US" smtClean="0"/>
-              <a:t>1/20/2023</a:t>
+              <a:t>2/7/2023</a:t>
             </a:fld>
             <a:endParaRPr lang="en-US"/>
           </a:p>
@@ -3446,7 +4006,7 @@
           <a:p>
             <a:fld id="{7C6FDEF2-9E15-4EB7-8A3D-07DFB7516634}" type="datetime1">
               <a:rPr lang="en-US" smtClean="0"/>
-              <a:t>1/20/2023</a:t>
+              <a:t>2/7/2023</a:t>
             </a:fld>
             <a:endParaRPr lang="en-US"/>
           </a:p>
@@ -3755,7 +4315,7 @@
           <a:p>
             <a:fld id="{134DEBCD-05A9-4F41-A2EB-5F8C28A5BFA8}" type="datetime1">
               <a:rPr lang="en-US" smtClean="0"/>
-              <a:t>1/20/2023</a:t>
+              <a:t>2/7/2023</a:t>
             </a:fld>
             <a:endParaRPr lang="en-US"/>
           </a:p>
@@ -4036,7 +4596,7 @@
           <a:p>
             <a:fld id="{EB4857D5-4E0A-431C-964A-D28808018D4F}" type="datetime1">
               <a:rPr lang="en-US" smtClean="0"/>
-              <a:t>1/20/2023</a:t>
+              <a:t>2/7/2023</a:t>
             </a:fld>
             <a:endParaRPr lang="en-US"/>
           </a:p>
@@ -4517,7 +5077,7 @@
           <a:p>
             <a:fld id="{65FF0423-50FC-4D6A-B50D-23FF9D1EFC83}" type="datetime1">
               <a:rPr lang="en-US" smtClean="0"/>
-              <a:t>1/20/2023</a:t>
+              <a:t>2/7/2023</a:t>
             </a:fld>
             <a:endParaRPr lang="en-US"/>
           </a:p>
@@ -4976,7 +5536,7 @@
           <a:p>
             <a:fld id="{EC33AABD-74F1-472F-A4A5-168943D56390}" type="datetime1">
               <a:rPr lang="en-US" smtClean="0"/>
-              <a:t>1/20/2023</a:t>
+              <a:t>2/7/2023</a:t>
             </a:fld>
             <a:endParaRPr lang="en-US"/>
           </a:p>
@@ -5385,7 +5945,7 @@
           <a:p>
             <a:fld id="{69C37E46-5078-472C-8E35-576F1C6AA544}" type="datetime1">
               <a:rPr lang="en-US" smtClean="0"/>
-              <a:t>1/20/2023</a:t>
+              <a:t>2/7/2023</a:t>
             </a:fld>
             <a:endParaRPr lang="en-US"/>
           </a:p>
@@ -6003,7 +6563,11 @@
           <a:lstStyle/>
           <a:p>
             <a:r>
-              <a:rPr lang="de-AT" sz="5400" dirty="0"/>
+              <a:rPr lang="de-AT" sz="5400" dirty="0">
+                <a:solidFill>
+                  <a:srgbClr val="478987"/>
+                </a:solidFill>
+              </a:rPr>
               <a:t>DevShop</a:t>
             </a:r>
           </a:p>
@@ -6038,7 +6602,11 @@
           <a:lstStyle/>
           <a:p>
             <a:r>
-              <a:rPr lang="de-AT" dirty="0"/>
+              <a:rPr lang="de-AT" dirty="0">
+                <a:solidFill>
+                  <a:srgbClr val="4E85A2"/>
+                </a:solidFill>
+              </a:rPr>
               <a:t>By Benjamin Knoll</a:t>
             </a:r>
           </a:p>
@@ -6252,10 +6820,18 @@
           <a:lstStyle/>
           <a:p>
             <a:fld id="{14DFC975-2FD7-44A5-9E78-ECBA46156075}" type="slidenum">
-              <a:rPr lang="en-US" smtClean="0"/>
+              <a:rPr lang="en-US" smtClean="0">
+                <a:solidFill>
+                  <a:srgbClr val="478987"/>
+                </a:solidFill>
+              </a:rPr>
               <a:t>1</a:t>
             </a:fld>
-            <a:endParaRPr lang="en-US"/>
+            <a:endParaRPr lang="en-US" dirty="0">
+              <a:solidFill>
+                <a:srgbClr val="478987"/>
+              </a:solidFill>
+            </a:endParaRPr>
           </a:p>
         </p:txBody>
       </p:sp>
@@ -6282,10 +6858,18 @@
           <a:p>
             <a:pPr algn="l"/>
             <a:r>
-              <a:rPr lang="de-DE"/>
+              <a:rPr lang="de-DE" dirty="0">
+                <a:solidFill>
+                  <a:srgbClr val="478987"/>
+                </a:solidFill>
+              </a:rPr>
               <a:t>BRP Medientechnik und Informationsmanagement | Knoll Benjamin</a:t>
             </a:r>
-            <a:endParaRPr lang="en-US" dirty="0"/>
+            <a:endParaRPr lang="en-US" dirty="0">
+              <a:solidFill>
+                <a:srgbClr val="478987"/>
+              </a:solidFill>
+            </a:endParaRPr>
           </a:p>
         </p:txBody>
       </p:sp>
@@ -6341,7 +6925,11 @@
           <a:lstStyle/>
           <a:p>
             <a:r>
-              <a:rPr lang="de-AT" dirty="0"/>
+              <a:rPr lang="de-AT" dirty="0">
+                <a:solidFill>
+                  <a:srgbClr val="478987"/>
+                </a:solidFill>
+              </a:rPr>
               <a:t>Inhalt</a:t>
             </a:r>
           </a:p>
@@ -6369,31 +6957,51 @@
           <a:lstStyle/>
           <a:p>
             <a:r>
-              <a:rPr lang="de-AT" dirty="0"/>
+              <a:rPr lang="de-AT" dirty="0">
+                <a:solidFill>
+                  <a:srgbClr val="4E85A2"/>
+                </a:solidFill>
+              </a:rPr>
               <a:t>Was ist DevShop?</a:t>
             </a:r>
           </a:p>
           <a:p>
             <a:r>
-              <a:rPr lang="de-AT" dirty="0"/>
+              <a:rPr lang="de-AT" dirty="0">
+                <a:solidFill>
+                  <a:srgbClr val="4E85A2"/>
+                </a:solidFill>
+              </a:rPr>
               <a:t>Beweggründe</a:t>
             </a:r>
           </a:p>
           <a:p>
             <a:r>
-              <a:rPr lang="de-AT" dirty="0"/>
+              <a:rPr lang="de-AT" dirty="0">
+                <a:solidFill>
+                  <a:srgbClr val="4E85A2"/>
+                </a:solidFill>
+              </a:rPr>
               <a:t>Technologien</a:t>
             </a:r>
           </a:p>
           <a:p>
             <a:r>
-              <a:rPr lang="de-AT" dirty="0"/>
+              <a:rPr lang="de-AT" dirty="0">
+                <a:solidFill>
+                  <a:srgbClr val="4E85A2"/>
+                </a:solidFill>
+              </a:rPr>
               <a:t>Funktionalitäten</a:t>
             </a:r>
           </a:p>
           <a:p>
             <a:r>
-              <a:rPr lang="de-AT" dirty="0"/>
+              <a:rPr lang="de-AT" dirty="0">
+                <a:solidFill>
+                  <a:srgbClr val="4E85A2"/>
+                </a:solidFill>
+              </a:rPr>
               <a:t>Fazit</a:t>
             </a:r>
           </a:p>
@@ -6421,10 +7029,18 @@
           <a:lstStyle/>
           <a:p>
             <a:fld id="{14DFC975-2FD7-44A5-9E78-ECBA46156075}" type="slidenum">
-              <a:rPr lang="en-US" smtClean="0"/>
+              <a:rPr lang="en-US" smtClean="0">
+                <a:solidFill>
+                  <a:srgbClr val="478987"/>
+                </a:solidFill>
+              </a:rPr>
               <a:t>2</a:t>
             </a:fld>
-            <a:endParaRPr lang="en-US"/>
+            <a:endParaRPr lang="en-US">
+              <a:solidFill>
+                <a:srgbClr val="478987"/>
+              </a:solidFill>
+            </a:endParaRPr>
           </a:p>
         </p:txBody>
       </p:sp>
@@ -6450,13 +7066,60 @@
           <a:lstStyle/>
           <a:p>
             <a:r>
-              <a:rPr lang="de-DE"/>
+              <a:rPr lang="de-DE" dirty="0">
+                <a:solidFill>
+                  <a:srgbClr val="478987"/>
+                </a:solidFill>
+              </a:rPr>
               <a:t>BRP Medientechnik und Informationsmanagement | Knoll Benjamin</a:t>
             </a:r>
-            <a:endParaRPr lang="en-US"/>
-          </a:p>
-        </p:txBody>
-      </p:sp>
+            <a:endParaRPr lang="en-US" dirty="0">
+              <a:solidFill>
+                <a:srgbClr val="478987"/>
+              </a:solidFill>
+            </a:endParaRPr>
+          </a:p>
+        </p:txBody>
+      </p:sp>
+      <p:pic>
+        <p:nvPicPr>
+          <p:cNvPr id="9" name="Grafik 8">
+            <a:extLst>
+              <a:ext uri="{FF2B5EF4-FFF2-40B4-BE49-F238E27FC236}">
+                <a16:creationId xmlns:a16="http://schemas.microsoft.com/office/drawing/2014/main" id="{CB8E53C0-60C8-67A9-6548-574847C50E5A}"/>
+              </a:ext>
+            </a:extLst>
+          </p:cNvPr>
+          <p:cNvPicPr>
+            <a:picLocks noChangeAspect="1"/>
+          </p:cNvPicPr>
+          <p:nvPr/>
+        </p:nvPicPr>
+        <p:blipFill>
+          <a:blip r:embed="rId2">
+            <a:extLst>
+              <a:ext uri="{28A0092B-C50C-407E-A947-70E740481C1C}">
+                <a14:useLocalDpi xmlns:a14="http://schemas.microsoft.com/office/drawing/2010/main" val="0"/>
+              </a:ext>
+              <a:ext uri="{96DAC541-7B7A-43D3-8B79-37D633B846F1}">
+                <asvg:svgBlip xmlns:asvg="http://schemas.microsoft.com/office/drawing/2016/SVG/main" r:embed="rId3"/>
+              </a:ext>
+            </a:extLst>
+          </a:blip>
+          <a:stretch>
+            <a:fillRect/>
+          </a:stretch>
+        </p:blipFill>
+        <p:spPr>
+          <a:xfrm>
+            <a:off x="8747810" y="1832891"/>
+            <a:ext cx="2401764" cy="3192218"/>
+          </a:xfrm>
+          <a:prstGeom prst="rect">
+            <a:avLst/>
+          </a:prstGeom>
+        </p:spPr>
+      </p:pic>
     </p:spTree>
     <p:extLst>
       <p:ext uri="{BB962C8B-B14F-4D97-AF65-F5344CB8AC3E}">
@@ -6509,7 +7172,11 @@
           <a:lstStyle/>
           <a:p>
             <a:r>
-              <a:rPr lang="de-AT" dirty="0"/>
+              <a:rPr lang="de-AT" dirty="0">
+                <a:solidFill>
+                  <a:srgbClr val="478987"/>
+                </a:solidFill>
+              </a:rPr>
               <a:t>Was ist DevShop?</a:t>
             </a:r>
           </a:p>
@@ -6537,23 +7204,30 @@
           <a:lstStyle/>
           <a:p>
             <a:r>
-              <a:rPr lang="de-AT" dirty="0"/>
+              <a:rPr lang="de-AT" dirty="0">
+                <a:solidFill>
+                  <a:srgbClr val="4E85A2"/>
+                </a:solidFill>
+              </a:rPr>
               <a:t>Onlineshop mit Verwaltung</a:t>
             </a:r>
           </a:p>
           <a:p>
-            <a:endParaRPr lang="de-AT" dirty="0"/>
-          </a:p>
-          <a:p>
-            <a:r>
-              <a:rPr lang="de-AT" dirty="0"/>
-              <a:t>Fokus auf Bereitstellung </a:t>
-            </a:r>
-            <a:r>
-              <a:rPr lang="de-AT"/>
-              <a:t>von Informationen</a:t>
-            </a:r>
-            <a:endParaRPr lang="de-AT" dirty="0"/>
+            <a:endParaRPr lang="de-AT" dirty="0">
+              <a:solidFill>
+                <a:srgbClr val="4E85A2"/>
+              </a:solidFill>
+            </a:endParaRPr>
+          </a:p>
+          <a:p>
+            <a:r>
+              <a:rPr lang="de-AT" dirty="0">
+                <a:solidFill>
+                  <a:srgbClr val="4E85A2"/>
+                </a:solidFill>
+              </a:rPr>
+              <a:t>Fokus auf Bereitstellung von Informationen</a:t>
+            </a:r>
           </a:p>
         </p:txBody>
       </p:sp>
@@ -6579,10 +7253,18 @@
           <a:lstStyle/>
           <a:p>
             <a:fld id="{14DFC975-2FD7-44A5-9E78-ECBA46156075}" type="slidenum">
-              <a:rPr lang="en-US" smtClean="0"/>
+              <a:rPr lang="en-US" smtClean="0">
+                <a:solidFill>
+                  <a:srgbClr val="478987"/>
+                </a:solidFill>
+              </a:rPr>
               <a:t>3</a:t>
             </a:fld>
-            <a:endParaRPr lang="en-US"/>
+            <a:endParaRPr lang="en-US">
+              <a:solidFill>
+                <a:srgbClr val="478987"/>
+              </a:solidFill>
+            </a:endParaRPr>
           </a:p>
         </p:txBody>
       </p:sp>
@@ -6608,13 +7290,60 @@
           <a:lstStyle/>
           <a:p>
             <a:r>
-              <a:rPr lang="de-DE"/>
+              <a:rPr lang="de-DE">
+                <a:solidFill>
+                  <a:srgbClr val="478987"/>
+                </a:solidFill>
+              </a:rPr>
               <a:t>BRP Medientechnik und Informationsmanagement | Knoll Benjamin</a:t>
             </a:r>
-            <a:endParaRPr lang="en-US"/>
-          </a:p>
-        </p:txBody>
-      </p:sp>
+            <a:endParaRPr lang="en-US">
+              <a:solidFill>
+                <a:srgbClr val="478987"/>
+              </a:solidFill>
+            </a:endParaRPr>
+          </a:p>
+        </p:txBody>
+      </p:sp>
+      <p:pic>
+        <p:nvPicPr>
+          <p:cNvPr id="13" name="Grafik 12">
+            <a:extLst>
+              <a:ext uri="{FF2B5EF4-FFF2-40B4-BE49-F238E27FC236}">
+                <a16:creationId xmlns:a16="http://schemas.microsoft.com/office/drawing/2014/main" id="{3A29F658-67FB-E1DA-CD74-7CA8A282709B}"/>
+              </a:ext>
+            </a:extLst>
+          </p:cNvPr>
+          <p:cNvPicPr>
+            <a:picLocks noChangeAspect="1"/>
+          </p:cNvPicPr>
+          <p:nvPr/>
+        </p:nvPicPr>
+        <p:blipFill>
+          <a:blip r:embed="rId2">
+            <a:extLst>
+              <a:ext uri="{28A0092B-C50C-407E-A947-70E740481C1C}">
+                <a14:useLocalDpi xmlns:a14="http://schemas.microsoft.com/office/drawing/2010/main" val="0"/>
+              </a:ext>
+              <a:ext uri="{96DAC541-7B7A-43D3-8B79-37D633B846F1}">
+                <asvg:svgBlip xmlns:asvg="http://schemas.microsoft.com/office/drawing/2016/SVG/main" r:embed="rId3"/>
+              </a:ext>
+            </a:extLst>
+          </a:blip>
+          <a:stretch>
+            <a:fillRect/>
+          </a:stretch>
+        </p:blipFill>
+        <p:spPr>
+          <a:xfrm>
+            <a:off x="7983553" y="2005781"/>
+            <a:ext cx="3090847" cy="3804120"/>
+          </a:xfrm>
+          <a:prstGeom prst="rect">
+            <a:avLst/>
+          </a:prstGeom>
+        </p:spPr>
+      </p:pic>
     </p:spTree>
     <p:extLst>
       <p:ext uri="{BB962C8B-B14F-4D97-AF65-F5344CB8AC3E}">
@@ -6667,7 +7396,11 @@
           <a:lstStyle/>
           <a:p>
             <a:r>
-              <a:rPr lang="de-AT" dirty="0"/>
+              <a:rPr lang="de-AT" dirty="0">
+                <a:solidFill>
+                  <a:srgbClr val="478987"/>
+                </a:solidFill>
+              </a:rPr>
               <a:t>Beweggründe</a:t>
             </a:r>
           </a:p>
@@ -6695,25 +7428,45 @@
           <a:lstStyle/>
           <a:p>
             <a:r>
-              <a:rPr lang="de-AT" dirty="0"/>
+              <a:rPr lang="de-AT" dirty="0">
+                <a:solidFill>
+                  <a:srgbClr val="4E85A2"/>
+                </a:solidFill>
+              </a:rPr>
               <a:t>Hauptsächlich Frontend-Entwickler</a:t>
             </a:r>
           </a:p>
           <a:p>
-            <a:endParaRPr lang="de-AT" dirty="0"/>
-          </a:p>
-          <a:p>
-            <a:r>
-              <a:rPr lang="de-AT" dirty="0"/>
+            <a:endParaRPr lang="de-AT" dirty="0">
+              <a:solidFill>
+                <a:srgbClr val="4E85A2"/>
+              </a:solidFill>
+            </a:endParaRPr>
+          </a:p>
+          <a:p>
+            <a:r>
+              <a:rPr lang="de-AT" dirty="0">
+                <a:solidFill>
+                  <a:srgbClr val="4E85A2"/>
+                </a:solidFill>
+              </a:rPr>
               <a:t>Mehr Einblick in Backend-Entwicklung</a:t>
             </a:r>
           </a:p>
           <a:p>
-            <a:endParaRPr lang="de-AT" dirty="0"/>
-          </a:p>
-          <a:p>
-            <a:r>
-              <a:rPr lang="de-AT" dirty="0"/>
+            <a:endParaRPr lang="de-AT" dirty="0">
+              <a:solidFill>
+                <a:srgbClr val="4E85A2"/>
+              </a:solidFill>
+            </a:endParaRPr>
+          </a:p>
+          <a:p>
+            <a:r>
+              <a:rPr lang="de-AT" dirty="0">
+                <a:solidFill>
+                  <a:srgbClr val="4E85A2"/>
+                </a:solidFill>
+              </a:rPr>
               <a:t>Wissen über Logik hinter Shops</a:t>
             </a:r>
           </a:p>
@@ -6741,10 +7494,18 @@
           <a:lstStyle/>
           <a:p>
             <a:fld id="{14DFC975-2FD7-44A5-9E78-ECBA46156075}" type="slidenum">
-              <a:rPr lang="en-US" smtClean="0"/>
+              <a:rPr lang="en-US" smtClean="0">
+                <a:solidFill>
+                  <a:srgbClr val="478987"/>
+                </a:solidFill>
+              </a:rPr>
               <a:t>4</a:t>
             </a:fld>
-            <a:endParaRPr lang="en-US"/>
+            <a:endParaRPr lang="en-US">
+              <a:solidFill>
+                <a:srgbClr val="478987"/>
+              </a:solidFill>
+            </a:endParaRPr>
           </a:p>
         </p:txBody>
       </p:sp>
@@ -6764,19 +7525,71 @@
             <p:ph type="ftr" sz="quarter" idx="11"/>
           </p:nvPr>
         </p:nvSpPr>
-        <p:spPr/>
+        <p:spPr>
+          <a:xfrm>
+            <a:off x="1587710" y="6292850"/>
+            <a:ext cx="4114800" cy="365125"/>
+          </a:xfrm>
+        </p:spPr>
         <p:txBody>
           <a:bodyPr/>
           <a:lstStyle/>
           <a:p>
             <a:r>
-              <a:rPr lang="de-DE"/>
+              <a:rPr lang="de-DE">
+                <a:solidFill>
+                  <a:srgbClr val="478987"/>
+                </a:solidFill>
+              </a:rPr>
               <a:t>BRP Medientechnik und Informationsmanagement | Knoll Benjamin</a:t>
             </a:r>
-            <a:endParaRPr lang="en-US"/>
-          </a:p>
-        </p:txBody>
-      </p:sp>
+            <a:endParaRPr lang="en-US">
+              <a:solidFill>
+                <a:srgbClr val="478987"/>
+              </a:solidFill>
+            </a:endParaRPr>
+          </a:p>
+        </p:txBody>
+      </p:sp>
+      <p:pic>
+        <p:nvPicPr>
+          <p:cNvPr id="9" name="Grafik 8">
+            <a:extLst>
+              <a:ext uri="{FF2B5EF4-FFF2-40B4-BE49-F238E27FC236}">
+                <a16:creationId xmlns:a16="http://schemas.microsoft.com/office/drawing/2014/main" id="{59AF9509-A031-E06A-9A07-60F7EC549F4C}"/>
+              </a:ext>
+            </a:extLst>
+          </p:cNvPr>
+          <p:cNvPicPr>
+            <a:picLocks noChangeAspect="1"/>
+          </p:cNvPicPr>
+          <p:nvPr/>
+        </p:nvPicPr>
+        <p:blipFill>
+          <a:blip r:embed="rId2">
+            <a:extLst>
+              <a:ext uri="{28A0092B-C50C-407E-A947-70E740481C1C}">
+                <a14:useLocalDpi xmlns:a14="http://schemas.microsoft.com/office/drawing/2010/main" val="0"/>
+              </a:ext>
+              <a:ext uri="{96DAC541-7B7A-43D3-8B79-37D633B846F1}">
+                <asvg:svgBlip xmlns:asvg="http://schemas.microsoft.com/office/drawing/2016/SVG/main" r:embed="rId3"/>
+              </a:ext>
+            </a:extLst>
+          </a:blip>
+          <a:stretch>
+            <a:fillRect/>
+          </a:stretch>
+        </p:blipFill>
+        <p:spPr>
+          <a:xfrm>
+            <a:off x="7763326" y="2160016"/>
+            <a:ext cx="3311074" cy="2937996"/>
+          </a:xfrm>
+          <a:prstGeom prst="rect">
+            <a:avLst/>
+          </a:prstGeom>
+        </p:spPr>
+      </p:pic>
     </p:spTree>
     <p:extLst>
       <p:ext uri="{BB962C8B-B14F-4D97-AF65-F5344CB8AC3E}">
@@ -6812,7 +7625,7 @@
           <p:cNvPr id="2" name="Titel 1">
             <a:extLst>
               <a:ext uri="{FF2B5EF4-FFF2-40B4-BE49-F238E27FC236}">
-                <a16:creationId xmlns:a16="http://schemas.microsoft.com/office/drawing/2014/main" id="{36B19188-B06C-C093-38A0-6ABEFD3EECBC}"/>
+                <a16:creationId xmlns:a16="http://schemas.microsoft.com/office/drawing/2014/main" id="{FF6AEC10-EA85-33F4-9F1C-CF54043B1A7D}"/>
               </a:ext>
             </a:extLst>
           </p:cNvPr>
@@ -6829,27 +7642,66 @@
           <a:lstStyle/>
           <a:p>
             <a:r>
-              <a:rPr lang="de-AT" dirty="0"/>
+              <a:rPr lang="de-AT" dirty="0">
+                <a:solidFill>
+                  <a:srgbClr val="478987"/>
+                </a:solidFill>
+              </a:rPr>
               <a:t>Technologien</a:t>
             </a:r>
           </a:p>
         </p:txBody>
       </p:sp>
-      <p:sp>
-        <p:nvSpPr>
-          <p:cNvPr id="3" name="Inhaltsplatzhalter 2">
-            <a:extLst>
-              <a:ext uri="{FF2B5EF4-FFF2-40B4-BE49-F238E27FC236}">
-                <a16:creationId xmlns:a16="http://schemas.microsoft.com/office/drawing/2014/main" id="{535FA76A-29ED-9930-BEC7-B6D94164B8F6}"/>
-              </a:ext>
-            </a:extLst>
-          </p:cNvPr>
-          <p:cNvSpPr>
-            <a:spLocks noGrp="1"/>
-          </p:cNvSpPr>
+      <p:pic>
+        <p:nvPicPr>
+          <p:cNvPr id="7" name="Inhaltsplatzhalter 6">
+            <a:extLst>
+              <a:ext uri="{FF2B5EF4-FFF2-40B4-BE49-F238E27FC236}">
+                <a16:creationId xmlns:a16="http://schemas.microsoft.com/office/drawing/2014/main" id="{0633B106-A913-51FE-7DCC-E7744123A097}"/>
+              </a:ext>
+            </a:extLst>
+          </p:cNvPr>
+          <p:cNvPicPr>
+            <a:picLocks noGrp="1" noChangeAspect="1"/>
+          </p:cNvPicPr>
           <p:nvPr>
             <p:ph idx="1"/>
           </p:nvPr>
+        </p:nvPicPr>
+        <p:blipFill>
+          <a:blip r:embed="rId2">
+            <a:extLst>
+              <a:ext uri="{28A0092B-C50C-407E-A947-70E740481C1C}">
+                <a14:useLocalDpi xmlns:a14="http://schemas.microsoft.com/office/drawing/2010/main" val="0"/>
+              </a:ext>
+            </a:extLst>
+          </a:blip>
+          <a:stretch>
+            <a:fillRect/>
+          </a:stretch>
+        </p:blipFill>
+        <p:spPr>
+          <a:xfrm>
+            <a:off x="10717252" y="2531574"/>
+            <a:ext cx="1044430" cy="1044430"/>
+          </a:xfrm>
+        </p:spPr>
+      </p:pic>
+      <p:sp>
+        <p:nvSpPr>
+          <p:cNvPr id="4" name="Fußzeilenplatzhalter 3">
+            <a:extLst>
+              <a:ext uri="{FF2B5EF4-FFF2-40B4-BE49-F238E27FC236}">
+                <a16:creationId xmlns:a16="http://schemas.microsoft.com/office/drawing/2014/main" id="{72E6153D-1EE3-0A8F-0C01-465F68844534}"/>
+              </a:ext>
+            </a:extLst>
+          </p:cNvPr>
+          <p:cNvSpPr>
+            <a:spLocks noGrp="1"/>
+          </p:cNvSpPr>
+          <p:nvPr>
+            <p:ph type="ftr" sz="quarter" idx="11"/>
+          </p:nvPr>
         </p:nvSpPr>
         <p:spPr/>
         <p:txBody>
@@ -6857,54 +7709,27 @@
           <a:lstStyle/>
           <a:p>
             <a:r>
-              <a:rPr lang="de-AT" dirty="0"/>
-              <a:t>C# .Net 6 -&gt; Blazor Server</a:t>
-            </a:r>
-          </a:p>
-          <a:p>
-            <a:r>
-              <a:rPr lang="de-AT" dirty="0"/>
-              <a:t>Entity Framework</a:t>
-            </a:r>
-          </a:p>
-          <a:p>
-            <a:r>
-              <a:rPr lang="de-AT" dirty="0"/>
-              <a:t>Visual Studio 2022</a:t>
-            </a:r>
-          </a:p>
-          <a:p>
-            <a:r>
-              <a:rPr lang="de-AT" dirty="0"/>
-              <a:t>MS SSMS 2018</a:t>
-            </a:r>
-          </a:p>
-          <a:p>
-            <a:r>
-              <a:rPr lang="de-AT" dirty="0"/>
-              <a:t>Sublime Text 3</a:t>
-            </a:r>
-          </a:p>
-          <a:p>
-            <a:r>
-              <a:rPr lang="de-AT" dirty="0"/>
-              <a:t>Affinity Designer</a:t>
-            </a:r>
-          </a:p>
-          <a:p>
-            <a:r>
-              <a:rPr lang="de-AT" dirty="0"/>
-              <a:t>GitHub</a:t>
-            </a:r>
-          </a:p>
-        </p:txBody>
-      </p:sp>
-      <p:sp>
-        <p:nvSpPr>
-          <p:cNvPr id="4" name="Foliennummernplatzhalter 3">
-            <a:extLst>
-              <a:ext uri="{FF2B5EF4-FFF2-40B4-BE49-F238E27FC236}">
-                <a16:creationId xmlns:a16="http://schemas.microsoft.com/office/drawing/2014/main" id="{4B2BD91A-30E1-71D9-27D6-2EBC7F57E857}"/>
+              <a:rPr lang="de-DE" dirty="0">
+                <a:solidFill>
+                  <a:srgbClr val="478987"/>
+                </a:solidFill>
+              </a:rPr>
+              <a:t>BRP Medientechnik und Informationsmanagement | Knoll Benjamin</a:t>
+            </a:r>
+            <a:endParaRPr lang="en-US" dirty="0">
+              <a:solidFill>
+                <a:srgbClr val="478987"/>
+              </a:solidFill>
+            </a:endParaRPr>
+          </a:p>
+        </p:txBody>
+      </p:sp>
+      <p:sp>
+        <p:nvSpPr>
+          <p:cNvPr id="5" name="Foliennummernplatzhalter 4">
+            <a:extLst>
+              <a:ext uri="{FF2B5EF4-FFF2-40B4-BE49-F238E27FC236}">
+                <a16:creationId xmlns:a16="http://schemas.microsoft.com/office/drawing/2014/main" id="{56A9D47C-FFF1-7A72-9DA5-BC960EDA85AA}"/>
               </a:ext>
             </a:extLst>
           </p:cNvPr>
@@ -6921,46 +7746,443 @@
           <a:lstStyle/>
           <a:p>
             <a:fld id="{14DFC975-2FD7-44A5-9E78-ECBA46156075}" type="slidenum">
-              <a:rPr lang="en-US" smtClean="0"/>
+              <a:rPr lang="en-US" smtClean="0">
+                <a:solidFill>
+                  <a:srgbClr val="478987"/>
+                </a:solidFill>
+              </a:rPr>
+              <a:pPr/>
               <a:t>5</a:t>
             </a:fld>
-            <a:endParaRPr lang="en-US"/>
-          </a:p>
-        </p:txBody>
-      </p:sp>
-      <p:sp>
-        <p:nvSpPr>
-          <p:cNvPr id="5" name="Fußzeilenplatzhalter 4">
-            <a:extLst>
-              <a:ext uri="{FF2B5EF4-FFF2-40B4-BE49-F238E27FC236}">
-                <a16:creationId xmlns:a16="http://schemas.microsoft.com/office/drawing/2014/main" id="{F1B47F8A-DFB7-D01D-5BCC-341ABBD2F3E6}"/>
-              </a:ext>
-            </a:extLst>
-          </p:cNvPr>
-          <p:cNvSpPr>
-            <a:spLocks noGrp="1"/>
-          </p:cNvSpPr>
-          <p:nvPr>
-            <p:ph type="ftr" sz="quarter" idx="11"/>
-          </p:nvPr>
-        </p:nvSpPr>
-        <p:spPr/>
-        <p:txBody>
-          <a:bodyPr/>
-          <a:lstStyle/>
-          <a:p>
-            <a:r>
-              <a:rPr lang="de-DE"/>
-              <a:t>BRP Medientechnik und Informationsmanagement | Knoll Benjamin</a:t>
-            </a:r>
-            <a:endParaRPr lang="en-US"/>
+            <a:endParaRPr lang="en-US" dirty="0">
+              <a:solidFill>
+                <a:srgbClr val="478987"/>
+              </a:solidFill>
+            </a:endParaRPr>
+          </a:p>
+        </p:txBody>
+      </p:sp>
+      <p:pic>
+        <p:nvPicPr>
+          <p:cNvPr id="9" name="Grafik 8">
+            <a:extLst>
+              <a:ext uri="{FF2B5EF4-FFF2-40B4-BE49-F238E27FC236}">
+                <a16:creationId xmlns:a16="http://schemas.microsoft.com/office/drawing/2014/main" id="{C982B970-C16B-2BED-F4A1-F31F03252031}"/>
+              </a:ext>
+            </a:extLst>
+          </p:cNvPr>
+          <p:cNvPicPr>
+            <a:picLocks noChangeAspect="1"/>
+          </p:cNvPicPr>
+          <p:nvPr/>
+        </p:nvPicPr>
+        <p:blipFill>
+          <a:blip r:embed="rId3">
+            <a:extLst>
+              <a:ext uri="{28A0092B-C50C-407E-A947-70E740481C1C}">
+                <a14:useLocalDpi xmlns:a14="http://schemas.microsoft.com/office/drawing/2010/main" val="0"/>
+              </a:ext>
+            </a:extLst>
+          </a:blip>
+          <a:stretch>
+            <a:fillRect/>
+          </a:stretch>
+        </p:blipFill>
+        <p:spPr>
+          <a:xfrm>
+            <a:off x="9017536" y="2531156"/>
+            <a:ext cx="1044430" cy="1044430"/>
+          </a:xfrm>
+          <a:prstGeom prst="rect">
+            <a:avLst/>
+          </a:prstGeom>
+        </p:spPr>
+      </p:pic>
+      <p:pic>
+        <p:nvPicPr>
+          <p:cNvPr id="11" name="Grafik 10">
+            <a:extLst>
+              <a:ext uri="{FF2B5EF4-FFF2-40B4-BE49-F238E27FC236}">
+                <a16:creationId xmlns:a16="http://schemas.microsoft.com/office/drawing/2014/main" id="{14DF417A-DEDC-7C7F-D5D2-2FAAB9FBA10A}"/>
+              </a:ext>
+            </a:extLst>
+          </p:cNvPr>
+          <p:cNvPicPr>
+            <a:picLocks noChangeAspect="1"/>
+          </p:cNvPicPr>
+          <p:nvPr/>
+        </p:nvPicPr>
+        <p:blipFill>
+          <a:blip r:embed="rId4">
+            <a:extLst>
+              <a:ext uri="{28A0092B-C50C-407E-A947-70E740481C1C}">
+                <a14:useLocalDpi xmlns:a14="http://schemas.microsoft.com/office/drawing/2010/main" val="0"/>
+              </a:ext>
+              <a:ext uri="{96DAC541-7B7A-43D3-8B79-37D633B846F1}">
+                <asvg:svgBlip xmlns:asvg="http://schemas.microsoft.com/office/drawing/2016/SVG/main" r:embed="rId5"/>
+              </a:ext>
+            </a:extLst>
+          </a:blip>
+          <a:stretch>
+            <a:fillRect/>
+          </a:stretch>
+        </p:blipFill>
+        <p:spPr>
+          <a:xfrm>
+            <a:off x="7285824" y="2531574"/>
+            <a:ext cx="1044430" cy="1044012"/>
+          </a:xfrm>
+          <a:prstGeom prst="rect">
+            <a:avLst/>
+          </a:prstGeom>
+        </p:spPr>
+      </p:pic>
+      <p:pic>
+        <p:nvPicPr>
+          <p:cNvPr id="13" name="Grafik 12" descr="Ein Bild, das Text, Axt enthält.&#10;&#10;Automatisch generierte Beschreibung">
+            <a:extLst>
+              <a:ext uri="{FF2B5EF4-FFF2-40B4-BE49-F238E27FC236}">
+                <a16:creationId xmlns:a16="http://schemas.microsoft.com/office/drawing/2014/main" id="{0FEB0F47-B300-0472-9A0B-7120138047EB}"/>
+              </a:ext>
+            </a:extLst>
+          </p:cNvPr>
+          <p:cNvPicPr>
+            <a:picLocks noChangeAspect="1"/>
+          </p:cNvPicPr>
+          <p:nvPr/>
+        </p:nvPicPr>
+        <p:blipFill>
+          <a:blip r:embed="rId6">
+            <a:extLst>
+              <a:ext uri="{28A0092B-C50C-407E-A947-70E740481C1C}">
+                <a14:useLocalDpi xmlns:a14="http://schemas.microsoft.com/office/drawing/2010/main" val="0"/>
+              </a:ext>
+            </a:extLst>
+          </a:blip>
+          <a:stretch>
+            <a:fillRect/>
+          </a:stretch>
+        </p:blipFill>
+        <p:spPr>
+          <a:xfrm>
+            <a:off x="5042778" y="2531574"/>
+            <a:ext cx="1564120" cy="1044012"/>
+          </a:xfrm>
+          <a:prstGeom prst="rect">
+            <a:avLst/>
+          </a:prstGeom>
+        </p:spPr>
+      </p:pic>
+      <p:pic>
+        <p:nvPicPr>
+          <p:cNvPr id="15" name="Grafik 14" descr="Ein Bild, das Text, ClipArt enthält.&#10;&#10;Automatisch generierte Beschreibung">
+            <a:extLst>
+              <a:ext uri="{FF2B5EF4-FFF2-40B4-BE49-F238E27FC236}">
+                <a16:creationId xmlns:a16="http://schemas.microsoft.com/office/drawing/2014/main" id="{0548D17C-917C-A0CC-DE76-460094E77C37}"/>
+              </a:ext>
+            </a:extLst>
+          </p:cNvPr>
+          <p:cNvPicPr>
+            <a:picLocks noChangeAspect="1"/>
+          </p:cNvPicPr>
+          <p:nvPr/>
+        </p:nvPicPr>
+        <p:blipFill>
+          <a:blip r:embed="rId7">
+            <a:extLst>
+              <a:ext uri="{28A0092B-C50C-407E-A947-70E740481C1C}">
+                <a14:useLocalDpi xmlns:a14="http://schemas.microsoft.com/office/drawing/2010/main" val="0"/>
+              </a:ext>
+            </a:extLst>
+          </a:blip>
+          <a:stretch>
+            <a:fillRect/>
+          </a:stretch>
+        </p:blipFill>
+        <p:spPr>
+          <a:xfrm>
+            <a:off x="3273799" y="2531574"/>
+            <a:ext cx="1058057" cy="1044012"/>
+          </a:xfrm>
+          <a:prstGeom prst="rect">
+            <a:avLst/>
+          </a:prstGeom>
+        </p:spPr>
+      </p:pic>
+      <p:pic>
+        <p:nvPicPr>
+          <p:cNvPr id="17" name="Grafik 16">
+            <a:extLst>
+              <a:ext uri="{FF2B5EF4-FFF2-40B4-BE49-F238E27FC236}">
+                <a16:creationId xmlns:a16="http://schemas.microsoft.com/office/drawing/2014/main" id="{57B1F853-A62C-D50B-3EAB-AE73BA35D8F8}"/>
+              </a:ext>
+            </a:extLst>
+          </p:cNvPr>
+          <p:cNvPicPr>
+            <a:picLocks noChangeAspect="1"/>
+          </p:cNvPicPr>
+          <p:nvPr/>
+        </p:nvPicPr>
+        <p:blipFill>
+          <a:blip r:embed="rId8">
+            <a:extLst>
+              <a:ext uri="{28A0092B-C50C-407E-A947-70E740481C1C}">
+                <a14:useLocalDpi xmlns:a14="http://schemas.microsoft.com/office/drawing/2010/main" val="0"/>
+              </a:ext>
+            </a:extLst>
+          </a:blip>
+          <a:stretch>
+            <a:fillRect/>
+          </a:stretch>
+        </p:blipFill>
+        <p:spPr>
+          <a:xfrm>
+            <a:off x="1587710" y="2531574"/>
+            <a:ext cx="1044430" cy="1044430"/>
+          </a:xfrm>
+          <a:prstGeom prst="rect">
+            <a:avLst/>
+          </a:prstGeom>
+        </p:spPr>
+      </p:pic>
+      <p:sp>
+        <p:nvSpPr>
+          <p:cNvPr id="18" name="Textfeld 17">
+            <a:extLst>
+              <a:ext uri="{FF2B5EF4-FFF2-40B4-BE49-F238E27FC236}">
+                <a16:creationId xmlns:a16="http://schemas.microsoft.com/office/drawing/2014/main" id="{82D3A53C-4775-AF39-F30F-D62F3AFE09EE}"/>
+              </a:ext>
+            </a:extLst>
+          </p:cNvPr>
+          <p:cNvSpPr txBox="1"/>
+          <p:nvPr/>
+        </p:nvSpPr>
+        <p:spPr>
+          <a:xfrm>
+            <a:off x="1674549" y="3955211"/>
+            <a:ext cx="870751" cy="369332"/>
+          </a:xfrm>
+          <a:prstGeom prst="rect">
+            <a:avLst/>
+          </a:prstGeom>
+          <a:noFill/>
+        </p:spPr>
+        <p:txBody>
+          <a:bodyPr wrap="none" rtlCol="0">
+            <a:spAutoFit/>
+          </a:bodyPr>
+          <a:lstStyle/>
+          <a:p>
+            <a:r>
+              <a:rPr lang="de-AT" dirty="0">
+                <a:solidFill>
+                  <a:srgbClr val="4E85A2"/>
+                </a:solidFill>
+              </a:rPr>
+              <a:t>Blazor</a:t>
+            </a:r>
+          </a:p>
+        </p:txBody>
+      </p:sp>
+      <p:sp>
+        <p:nvSpPr>
+          <p:cNvPr id="19" name="Textfeld 18">
+            <a:extLst>
+              <a:ext uri="{FF2B5EF4-FFF2-40B4-BE49-F238E27FC236}">
+                <a16:creationId xmlns:a16="http://schemas.microsoft.com/office/drawing/2014/main" id="{3D247F0C-14E0-B013-66AE-7DF09C7C2600}"/>
+              </a:ext>
+            </a:extLst>
+          </p:cNvPr>
+          <p:cNvSpPr txBox="1"/>
+          <p:nvPr/>
+        </p:nvSpPr>
+        <p:spPr>
+          <a:xfrm>
+            <a:off x="3013989" y="3955211"/>
+            <a:ext cx="1577676" cy="369332"/>
+          </a:xfrm>
+          <a:prstGeom prst="rect">
+            <a:avLst/>
+          </a:prstGeom>
+          <a:noFill/>
+        </p:spPr>
+        <p:txBody>
+          <a:bodyPr wrap="none" rtlCol="0">
+            <a:spAutoFit/>
+          </a:bodyPr>
+          <a:lstStyle/>
+          <a:p>
+            <a:r>
+              <a:rPr lang="de-AT" dirty="0">
+                <a:solidFill>
+                  <a:srgbClr val="4E85A2"/>
+                </a:solidFill>
+              </a:rPr>
+              <a:t>Visual Studio</a:t>
+            </a:r>
+          </a:p>
+        </p:txBody>
+      </p:sp>
+      <p:sp>
+        <p:nvSpPr>
+          <p:cNvPr id="21" name="Textfeld 20">
+            <a:extLst>
+              <a:ext uri="{FF2B5EF4-FFF2-40B4-BE49-F238E27FC236}">
+                <a16:creationId xmlns:a16="http://schemas.microsoft.com/office/drawing/2014/main" id="{6218444E-034A-07AC-C969-FA49878F22A8}"/>
+              </a:ext>
+            </a:extLst>
+          </p:cNvPr>
+          <p:cNvSpPr txBox="1"/>
+          <p:nvPr/>
+        </p:nvSpPr>
+        <p:spPr>
+          <a:xfrm>
+            <a:off x="5187484" y="3955211"/>
+            <a:ext cx="1274708" cy="369332"/>
+          </a:xfrm>
+          <a:prstGeom prst="rect">
+            <a:avLst/>
+          </a:prstGeom>
+          <a:noFill/>
+        </p:spPr>
+        <p:txBody>
+          <a:bodyPr wrap="none" rtlCol="0">
+            <a:spAutoFit/>
+          </a:bodyPr>
+          <a:lstStyle/>
+          <a:p>
+            <a:r>
+              <a:rPr lang="de-AT" dirty="0">
+                <a:solidFill>
+                  <a:srgbClr val="4E85A2"/>
+                </a:solidFill>
+              </a:rPr>
+              <a:t>MS SSMS</a:t>
+            </a:r>
+          </a:p>
+        </p:txBody>
+      </p:sp>
+      <p:sp>
+        <p:nvSpPr>
+          <p:cNvPr id="22" name="Textfeld 21">
+            <a:extLst>
+              <a:ext uri="{FF2B5EF4-FFF2-40B4-BE49-F238E27FC236}">
+                <a16:creationId xmlns:a16="http://schemas.microsoft.com/office/drawing/2014/main" id="{B7B54B52-0927-CC09-F4EF-7715F6BD3CC2}"/>
+              </a:ext>
+            </a:extLst>
+          </p:cNvPr>
+          <p:cNvSpPr txBox="1"/>
+          <p:nvPr/>
+        </p:nvSpPr>
+        <p:spPr>
+          <a:xfrm>
+            <a:off x="7009583" y="3955211"/>
+            <a:ext cx="1596912" cy="369332"/>
+          </a:xfrm>
+          <a:prstGeom prst="rect">
+            <a:avLst/>
+          </a:prstGeom>
+          <a:noFill/>
+        </p:spPr>
+        <p:txBody>
+          <a:bodyPr wrap="none" rtlCol="0">
+            <a:spAutoFit/>
+          </a:bodyPr>
+          <a:lstStyle/>
+          <a:p>
+            <a:r>
+              <a:rPr lang="de-AT" dirty="0">
+                <a:solidFill>
+                  <a:srgbClr val="4E85A2"/>
+                </a:solidFill>
+              </a:rPr>
+              <a:t>Sublime Text</a:t>
+            </a:r>
+          </a:p>
+        </p:txBody>
+      </p:sp>
+      <p:sp>
+        <p:nvSpPr>
+          <p:cNvPr id="23" name="Textfeld 22">
+            <a:extLst>
+              <a:ext uri="{FF2B5EF4-FFF2-40B4-BE49-F238E27FC236}">
+                <a16:creationId xmlns:a16="http://schemas.microsoft.com/office/drawing/2014/main" id="{E96950C6-C484-0090-D238-A46D60F1A130}"/>
+              </a:ext>
+            </a:extLst>
+          </p:cNvPr>
+          <p:cNvSpPr txBox="1"/>
+          <p:nvPr/>
+        </p:nvSpPr>
+        <p:spPr>
+          <a:xfrm>
+            <a:off x="9068307" y="3955211"/>
+            <a:ext cx="942887" cy="369332"/>
+          </a:xfrm>
+          <a:prstGeom prst="rect">
+            <a:avLst/>
+          </a:prstGeom>
+          <a:noFill/>
+        </p:spPr>
+        <p:txBody>
+          <a:bodyPr wrap="none" rtlCol="0">
+            <a:spAutoFit/>
+          </a:bodyPr>
+          <a:lstStyle/>
+          <a:p>
+            <a:r>
+              <a:rPr lang="de-AT" dirty="0">
+                <a:solidFill>
+                  <a:srgbClr val="4E85A2"/>
+                </a:solidFill>
+              </a:rPr>
+              <a:t>Affinity</a:t>
+            </a:r>
+          </a:p>
+        </p:txBody>
+      </p:sp>
+      <p:sp>
+        <p:nvSpPr>
+          <p:cNvPr id="24" name="Textfeld 23">
+            <a:extLst>
+              <a:ext uri="{FF2B5EF4-FFF2-40B4-BE49-F238E27FC236}">
+                <a16:creationId xmlns:a16="http://schemas.microsoft.com/office/drawing/2014/main" id="{DA15A26C-0A9A-A89F-BE75-67569129847D}"/>
+              </a:ext>
+            </a:extLst>
+          </p:cNvPr>
+          <p:cNvSpPr txBox="1"/>
+          <p:nvPr/>
+        </p:nvSpPr>
+        <p:spPr>
+          <a:xfrm>
+            <a:off x="10771229" y="3959426"/>
+            <a:ext cx="936475" cy="369332"/>
+          </a:xfrm>
+          <a:prstGeom prst="rect">
+            <a:avLst/>
+          </a:prstGeom>
+          <a:noFill/>
+        </p:spPr>
+        <p:txBody>
+          <a:bodyPr wrap="none" rtlCol="0">
+            <a:spAutoFit/>
+          </a:bodyPr>
+          <a:lstStyle/>
+          <a:p>
+            <a:r>
+              <a:rPr lang="de-AT" dirty="0">
+                <a:solidFill>
+                  <a:srgbClr val="4E85A2"/>
+                </a:solidFill>
+              </a:rPr>
+              <a:t>GitHub</a:t>
+            </a:r>
           </a:p>
         </p:txBody>
       </p:sp>
     </p:spTree>
     <p:extLst>
       <p:ext uri="{BB962C8B-B14F-4D97-AF65-F5344CB8AC3E}">
-        <p14:creationId xmlns:p14="http://schemas.microsoft.com/office/powerpoint/2010/main" val="2965964314"/>
+        <p14:creationId xmlns:p14="http://schemas.microsoft.com/office/powerpoint/2010/main" val="3287067111"/>
       </p:ext>
     </p:extLst>
   </p:cSld>
@@ -7009,7 +8231,11 @@
           <a:lstStyle/>
           <a:p>
             <a:r>
-              <a:rPr lang="de-AT" dirty="0"/>
+              <a:rPr lang="de-AT" dirty="0">
+                <a:solidFill>
+                  <a:srgbClr val="478987"/>
+                </a:solidFill>
+              </a:rPr>
               <a:t>Funktionalitäten</a:t>
             </a:r>
           </a:p>
@@ -7044,54 +8270,94 @@
           <a:lstStyle/>
           <a:p>
             <a:r>
-              <a:rPr lang="de-AT" b="1" dirty="0"/>
+              <a:rPr lang="de-AT" b="1" dirty="0">
+                <a:solidFill>
+                  <a:srgbClr val="4E85A2"/>
+                </a:solidFill>
+              </a:rPr>
               <a:t>Frontend</a:t>
             </a:r>
-            <a:endParaRPr lang="de-AT" dirty="0"/>
+            <a:endParaRPr lang="de-AT" dirty="0">
+              <a:solidFill>
+                <a:srgbClr val="4E85A2"/>
+              </a:solidFill>
+            </a:endParaRPr>
           </a:p>
           <a:p>
             <a:pPr lvl="1"/>
             <a:r>
-              <a:rPr lang="de-AT" dirty="0"/>
+              <a:rPr lang="de-AT" dirty="0">
+                <a:solidFill>
+                  <a:srgbClr val="4E85A2"/>
+                </a:solidFill>
+              </a:rPr>
               <a:t>Suchfunktion</a:t>
             </a:r>
           </a:p>
           <a:p>
             <a:pPr lvl="1"/>
             <a:r>
-              <a:rPr lang="de-AT" dirty="0"/>
+              <a:rPr lang="de-AT" dirty="0">
+                <a:solidFill>
+                  <a:srgbClr val="4E85A2"/>
+                </a:solidFill>
+              </a:rPr>
               <a:t>Verschiedene Darstellungen</a:t>
             </a:r>
           </a:p>
           <a:p>
             <a:pPr lvl="1"/>
             <a:r>
-              <a:rPr lang="de-AT" dirty="0"/>
+              <a:rPr lang="de-AT" dirty="0">
+                <a:solidFill>
+                  <a:srgbClr val="4E85A2"/>
+                </a:solidFill>
+              </a:rPr>
               <a:t>Detailausgabe</a:t>
             </a:r>
           </a:p>
           <a:p>
             <a:pPr lvl="1"/>
-            <a:endParaRPr lang="de-AT" dirty="0"/>
-          </a:p>
-          <a:p>
-            <a:r>
-              <a:rPr lang="de-AT" b="1"/>
+            <a:endParaRPr lang="de-AT" dirty="0">
+              <a:solidFill>
+                <a:srgbClr val="4E85A2"/>
+              </a:solidFill>
+            </a:endParaRPr>
+          </a:p>
+          <a:p>
+            <a:r>
+              <a:rPr lang="de-AT" b="1" dirty="0">
+                <a:solidFill>
+                  <a:srgbClr val="4E85A2"/>
+                </a:solidFill>
+              </a:rPr>
               <a:t>Backend</a:t>
             </a:r>
-            <a:endParaRPr lang="de-AT" dirty="0"/>
+            <a:endParaRPr lang="de-AT" dirty="0">
+              <a:solidFill>
+                <a:srgbClr val="4E85A2"/>
+              </a:solidFill>
+            </a:endParaRPr>
           </a:p>
           <a:p>
             <a:pPr lvl="1"/>
             <a:r>
-              <a:rPr lang="de-AT" dirty="0"/>
+              <a:rPr lang="de-AT" dirty="0">
+                <a:solidFill>
+                  <a:srgbClr val="4E85A2"/>
+                </a:solidFill>
+              </a:rPr>
               <a:t>Login geschützt</a:t>
             </a:r>
           </a:p>
           <a:p>
             <a:pPr lvl="1"/>
             <a:r>
-              <a:rPr lang="de-AT" dirty="0"/>
+              <a:rPr lang="de-AT" dirty="0">
+                <a:solidFill>
+                  <a:srgbClr val="4E85A2"/>
+                </a:solidFill>
+              </a:rPr>
               <a:t>Eingabemasken</a:t>
             </a:r>
           </a:p>
@@ -7119,10 +8385,18 @@
           <a:lstStyle/>
           <a:p>
             <a:fld id="{14DFC975-2FD7-44A5-9E78-ECBA46156075}" type="slidenum">
-              <a:rPr lang="en-US" smtClean="0"/>
+              <a:rPr lang="en-US" smtClean="0">
+                <a:solidFill>
+                  <a:srgbClr val="478987"/>
+                </a:solidFill>
+              </a:rPr>
               <a:t>6</a:t>
             </a:fld>
-            <a:endParaRPr lang="en-US"/>
+            <a:endParaRPr lang="en-US">
+              <a:solidFill>
+                <a:srgbClr val="478987"/>
+              </a:solidFill>
+            </a:endParaRPr>
           </a:p>
         </p:txBody>
       </p:sp>
@@ -7148,13 +8422,60 @@
           <a:lstStyle/>
           <a:p>
             <a:r>
-              <a:rPr lang="de-DE"/>
+              <a:rPr lang="de-DE">
+                <a:solidFill>
+                  <a:srgbClr val="478987"/>
+                </a:solidFill>
+              </a:rPr>
               <a:t>BRP Medientechnik und Informationsmanagement | Knoll Benjamin</a:t>
             </a:r>
-            <a:endParaRPr lang="en-US"/>
-          </a:p>
-        </p:txBody>
-      </p:sp>
+            <a:endParaRPr lang="en-US">
+              <a:solidFill>
+                <a:srgbClr val="478987"/>
+              </a:solidFill>
+            </a:endParaRPr>
+          </a:p>
+        </p:txBody>
+      </p:sp>
+      <p:pic>
+        <p:nvPicPr>
+          <p:cNvPr id="13" name="Grafik 12">
+            <a:extLst>
+              <a:ext uri="{FF2B5EF4-FFF2-40B4-BE49-F238E27FC236}">
+                <a16:creationId xmlns:a16="http://schemas.microsoft.com/office/drawing/2014/main" id="{2EAE8ACB-5CA5-8E9F-2F9E-B86109F2743F}"/>
+              </a:ext>
+            </a:extLst>
+          </p:cNvPr>
+          <p:cNvPicPr>
+            <a:picLocks noChangeAspect="1"/>
+          </p:cNvPicPr>
+          <p:nvPr/>
+        </p:nvPicPr>
+        <p:blipFill>
+          <a:blip r:embed="rId2">
+            <a:extLst>
+              <a:ext uri="{28A0092B-C50C-407E-A947-70E740481C1C}">
+                <a14:useLocalDpi xmlns:a14="http://schemas.microsoft.com/office/drawing/2010/main" val="0"/>
+              </a:ext>
+              <a:ext uri="{96DAC541-7B7A-43D3-8B79-37D633B846F1}">
+                <asvg:svgBlip xmlns:asvg="http://schemas.microsoft.com/office/drawing/2016/SVG/main" r:embed="rId3"/>
+              </a:ext>
+            </a:extLst>
+          </a:blip>
+          <a:stretch>
+            <a:fillRect/>
+          </a:stretch>
+        </p:blipFill>
+        <p:spPr>
+          <a:xfrm>
+            <a:off x="6711029" y="1656081"/>
+            <a:ext cx="4438545" cy="3976488"/>
+          </a:xfrm>
+          <a:prstGeom prst="rect">
+            <a:avLst/>
+          </a:prstGeom>
+        </p:spPr>
+      </p:pic>
     </p:spTree>
     <p:extLst>
       <p:ext uri="{BB962C8B-B14F-4D97-AF65-F5344CB8AC3E}">
@@ -7207,7 +8528,11 @@
           <a:lstStyle/>
           <a:p>
             <a:r>
-              <a:rPr lang="de-AT" dirty="0"/>
+              <a:rPr lang="de-AT" dirty="0">
+                <a:solidFill>
+                  <a:srgbClr val="478987"/>
+                </a:solidFill>
+              </a:rPr>
               <a:t>Fazit</a:t>
             </a:r>
           </a:p>
@@ -7235,25 +8560,45 @@
           <a:lstStyle/>
           <a:p>
             <a:r>
-              <a:rPr lang="de-AT" dirty="0"/>
+              <a:rPr lang="de-AT" dirty="0">
+                <a:solidFill>
+                  <a:srgbClr val="4E85A2"/>
+                </a:solidFill>
+              </a:rPr>
               <a:t>Hauptziel gelungen</a:t>
             </a:r>
           </a:p>
           <a:p>
-            <a:endParaRPr lang="de-AT" dirty="0"/>
-          </a:p>
-          <a:p>
-            <a:r>
-              <a:rPr lang="de-AT" dirty="0"/>
+            <a:endParaRPr lang="de-AT" dirty="0">
+              <a:solidFill>
+                <a:srgbClr val="4E85A2"/>
+              </a:solidFill>
+            </a:endParaRPr>
+          </a:p>
+          <a:p>
+            <a:r>
+              <a:rPr lang="de-AT" dirty="0">
+                <a:solidFill>
+                  <a:srgbClr val="4E85A2"/>
+                </a:solidFill>
+              </a:rPr>
               <a:t>Sehr zeitaufwendig</a:t>
             </a:r>
           </a:p>
           <a:p>
-            <a:endParaRPr lang="de-AT" dirty="0"/>
-          </a:p>
-          <a:p>
-            <a:r>
-              <a:rPr lang="de-AT" dirty="0"/>
+            <a:endParaRPr lang="de-AT" dirty="0">
+              <a:solidFill>
+                <a:srgbClr val="4E85A2"/>
+              </a:solidFill>
+            </a:endParaRPr>
+          </a:p>
+          <a:p>
+            <a:r>
+              <a:rPr lang="de-AT" dirty="0">
+                <a:solidFill>
+                  <a:srgbClr val="4E85A2"/>
+                </a:solidFill>
+              </a:rPr>
               <a:t>Künftige Weiterentwicklung</a:t>
             </a:r>
           </a:p>
@@ -7281,10 +8626,18 @@
           <a:lstStyle/>
           <a:p>
             <a:fld id="{14DFC975-2FD7-44A5-9E78-ECBA46156075}" type="slidenum">
-              <a:rPr lang="en-US" smtClean="0"/>
+              <a:rPr lang="en-US" smtClean="0">
+                <a:solidFill>
+                  <a:srgbClr val="478987"/>
+                </a:solidFill>
+              </a:rPr>
               <a:t>7</a:t>
             </a:fld>
-            <a:endParaRPr lang="en-US"/>
+            <a:endParaRPr lang="en-US" dirty="0">
+              <a:solidFill>
+                <a:srgbClr val="478987"/>
+              </a:solidFill>
+            </a:endParaRPr>
           </a:p>
         </p:txBody>
       </p:sp>
@@ -7310,13 +8663,60 @@
           <a:lstStyle/>
           <a:p>
             <a:r>
-              <a:rPr lang="de-DE"/>
+              <a:rPr lang="de-DE" dirty="0">
+                <a:solidFill>
+                  <a:srgbClr val="478987"/>
+                </a:solidFill>
+              </a:rPr>
               <a:t>BRP Medientechnik und Informationsmanagement | Knoll Benjamin</a:t>
             </a:r>
-            <a:endParaRPr lang="en-US"/>
-          </a:p>
-        </p:txBody>
-      </p:sp>
+            <a:endParaRPr lang="en-US" dirty="0">
+              <a:solidFill>
+                <a:srgbClr val="478987"/>
+              </a:solidFill>
+            </a:endParaRPr>
+          </a:p>
+        </p:txBody>
+      </p:sp>
+      <p:pic>
+        <p:nvPicPr>
+          <p:cNvPr id="7" name="Grafik 6">
+            <a:extLst>
+              <a:ext uri="{FF2B5EF4-FFF2-40B4-BE49-F238E27FC236}">
+                <a16:creationId xmlns:a16="http://schemas.microsoft.com/office/drawing/2014/main" id="{A609B19E-2090-074A-9911-8F513E361550}"/>
+              </a:ext>
+            </a:extLst>
+          </p:cNvPr>
+          <p:cNvPicPr>
+            <a:picLocks noChangeAspect="1"/>
+          </p:cNvPicPr>
+          <p:nvPr/>
+        </p:nvPicPr>
+        <p:blipFill>
+          <a:blip r:embed="rId2">
+            <a:extLst>
+              <a:ext uri="{28A0092B-C50C-407E-A947-70E740481C1C}">
+                <a14:useLocalDpi xmlns:a14="http://schemas.microsoft.com/office/drawing/2010/main" val="0"/>
+              </a:ext>
+              <a:ext uri="{96DAC541-7B7A-43D3-8B79-37D633B846F1}">
+                <asvg:svgBlip xmlns:asvg="http://schemas.microsoft.com/office/drawing/2016/SVG/main" r:embed="rId3"/>
+              </a:ext>
+            </a:extLst>
+          </a:blip>
+          <a:stretch>
+            <a:fillRect/>
+          </a:stretch>
+        </p:blipFill>
+        <p:spPr>
+          <a:xfrm>
+            <a:off x="8127808" y="1773525"/>
+            <a:ext cx="2476482" cy="3310949"/>
+          </a:xfrm>
+          <a:prstGeom prst="rect">
+            <a:avLst/>
+          </a:prstGeom>
+        </p:spPr>
+      </p:pic>
     </p:spTree>
     <p:extLst>
       <p:ext uri="{BB962C8B-B14F-4D97-AF65-F5344CB8AC3E}">
@@ -7375,7 +8775,11 @@
           <a:p>
             <a:pPr algn="ctr"/>
             <a:r>
-              <a:rPr lang="de-AT" dirty="0"/>
+              <a:rPr lang="de-AT" dirty="0">
+                <a:solidFill>
+                  <a:srgbClr val="478987"/>
+                </a:solidFill>
+              </a:rPr>
               <a:t>Vielen Dank!</a:t>
             </a:r>
           </a:p>
@@ -7403,10 +8807,18 @@
           <a:lstStyle/>
           <a:p>
             <a:fld id="{14DFC975-2FD7-44A5-9E78-ECBA46156075}" type="slidenum">
-              <a:rPr lang="en-US" smtClean="0"/>
+              <a:rPr lang="en-US" smtClean="0">
+                <a:solidFill>
+                  <a:srgbClr val="478987"/>
+                </a:solidFill>
+              </a:rPr>
               <a:t>8</a:t>
             </a:fld>
-            <a:endParaRPr lang="en-US"/>
+            <a:endParaRPr lang="en-US" dirty="0">
+              <a:solidFill>
+                <a:srgbClr val="478987"/>
+              </a:solidFill>
+            </a:endParaRPr>
           </a:p>
         </p:txBody>
       </p:sp>
@@ -7432,10 +8844,18 @@
           <a:lstStyle/>
           <a:p>
             <a:r>
-              <a:rPr lang="de-DE"/>
+              <a:rPr lang="de-DE" dirty="0">
+                <a:solidFill>
+                  <a:srgbClr val="478987"/>
+                </a:solidFill>
+              </a:rPr>
               <a:t>BRP Medientechnik und Informationsmanagement | Knoll Benjamin</a:t>
             </a:r>
-            <a:endParaRPr lang="en-US"/>
+            <a:endParaRPr lang="en-US" dirty="0">
+              <a:solidFill>
+                <a:srgbClr val="478987"/>
+              </a:solidFill>
+            </a:endParaRPr>
           </a:p>
         </p:txBody>
       </p:sp>
